--- a/Budweiser C level presentation.pptx
+++ b/Budweiser C level presentation.pptx
@@ -24098,8 +24098,8 @@
         </p:nvSpPr>
         <p:spPr>
           <a:xfrm>
-            <a:off x="3565256" y="1501551"/>
-            <a:ext cx="3857081" cy="646331"/>
+            <a:off x="3504454" y="1553251"/>
+            <a:ext cx="3715498" cy="646331"/>
           </a:xfrm>
           <a:prstGeom prst="rect">
             <a:avLst/>
@@ -24114,7 +24114,7 @@
           <a:p>
             <a:r>
               <a:rPr lang="en-US" dirty="0"/>
-              <a:t>IBU increases with alcohol between 5% and 7% also 8% and 10%</a:t>
+              <a:t>IBU increases with ABV between 5% and 7% also 8% and 10%</a:t>
             </a:r>
           </a:p>
         </p:txBody>

--- a/Budweiser C level presentation.pptx
+++ b/Budweiser C level presentation.pptx
@@ -2582,15 +2582,15 @@
 </file>
 
 <file path=ppt/diagrams/colors4.xml><?xml version="1.0" encoding="utf-8"?>
-<dgm:colorsDef xmlns:dgm="http://schemas.openxmlformats.org/drawingml/2006/diagram" xmlns:a="http://schemas.openxmlformats.org/drawingml/2006/main" uniqueId="urn:microsoft.com/office/officeart/2018/5/colors/Iconchunking_neutralbg_colorful1">
+<dgm:colorsDef xmlns:dgm="http://schemas.openxmlformats.org/drawingml/2006/diagram" xmlns:a="http://schemas.openxmlformats.org/drawingml/2006/main" uniqueId="urn:microsoft.com/office/officeart/2018/5/colors/Iconchunking_neutralbg_colorful5">
   <dgm:title val=""/>
   <dgm:desc val=""/>
   <dgm:catLst>
-    <dgm:cat type="colorful" pri="10100"/>
+    <dgm:cat type="colorful" pri="10500"/>
   </dgm:catLst>
   <dgm:styleLbl name="node0">
     <dgm:fillClrLst meth="repeat">
-      <a:schemeClr val="accent1"/>
+      <a:schemeClr val="accent4"/>
     </dgm:fillClrLst>
     <dgm:linClrLst meth="repeat">
       <a:schemeClr val="lt1"/>
@@ -2601,10 +2601,7 @@
     <dgm:txEffectClrLst/>
   </dgm:styleLbl>
   <dgm:styleLbl name="node1">
-    <dgm:fillClrLst meth="repeat">
-      <a:schemeClr val="accent2"/>
-      <a:schemeClr val="accent3"/>
-      <a:schemeClr val="accent4"/>
+    <dgm:fillClrLst>
       <a:schemeClr val="accent5"/>
       <a:schemeClr val="accent6"/>
     </dgm:fillClrLst>
@@ -2619,17 +2616,11 @@
     <dgm:txEffectClrLst/>
   </dgm:styleLbl>
   <dgm:styleLbl name="alignNode1">
-    <dgm:fillClrLst meth="repeat">
-      <a:schemeClr val="accent2"/>
-      <a:schemeClr val="accent3"/>
-      <a:schemeClr val="accent4"/>
+    <dgm:fillClrLst>
       <a:schemeClr val="accent5"/>
       <a:schemeClr val="accent6"/>
     </dgm:fillClrLst>
-    <dgm:linClrLst meth="repeat">
-      <a:schemeClr val="accent2"/>
-      <a:schemeClr val="accent3"/>
-      <a:schemeClr val="accent4"/>
+    <dgm:linClrLst>
       <a:schemeClr val="accent5"/>
       <a:schemeClr val="accent6"/>
     </dgm:linClrLst>
@@ -2639,10 +2630,7 @@
     <dgm:txEffectClrLst/>
   </dgm:styleLbl>
   <dgm:styleLbl name="lnNode1">
-    <dgm:fillClrLst meth="repeat">
-      <a:schemeClr val="accent2"/>
-      <a:schemeClr val="accent3"/>
-      <a:schemeClr val="accent4"/>
+    <dgm:fillClrLst>
       <a:schemeClr val="accent5"/>
       <a:schemeClr val="accent6"/>
     </dgm:fillClrLst>
@@ -2655,16 +2643,7 @@
     <dgm:txEffectClrLst/>
   </dgm:styleLbl>
   <dgm:styleLbl name="vennNode1">
-    <dgm:fillClrLst meth="repeat">
-      <a:schemeClr val="accent2">
-        <a:alpha val="50000"/>
-      </a:schemeClr>
-      <a:schemeClr val="accent3">
-        <a:alpha val="50000"/>
-      </a:schemeClr>
-      <a:schemeClr val="accent4">
-        <a:alpha val="50000"/>
-      </a:schemeClr>
+    <dgm:fillClrLst>
       <a:schemeClr val="accent5">
         <a:alpha val="50000"/>
       </a:schemeClr>
@@ -2682,6 +2661,30 @@
   </dgm:styleLbl>
   <dgm:styleLbl name="node2">
     <dgm:fillClrLst>
+      <a:schemeClr val="accent6"/>
+    </dgm:fillClrLst>
+    <dgm:linClrLst meth="repeat">
+      <a:schemeClr val="lt1"/>
+    </dgm:linClrLst>
+    <dgm:effectClrLst/>
+    <dgm:txLinClrLst/>
+    <dgm:txFillClrLst/>
+    <dgm:txEffectClrLst/>
+  </dgm:styleLbl>
+  <dgm:styleLbl name="node3">
+    <dgm:fillClrLst>
+      <a:schemeClr val="accent1"/>
+    </dgm:fillClrLst>
+    <dgm:linClrLst meth="repeat">
+      <a:schemeClr val="lt1"/>
+    </dgm:linClrLst>
+    <dgm:effectClrLst/>
+    <dgm:txLinClrLst/>
+    <dgm:txFillClrLst/>
+    <dgm:txEffectClrLst/>
+  </dgm:styleLbl>
+  <dgm:styleLbl name="node4">
+    <dgm:fillClrLst>
       <a:schemeClr val="accent2"/>
     </dgm:fillClrLst>
     <dgm:linClrLst meth="repeat">
@@ -2692,41 +2695,8 @@
     <dgm:txFillClrLst/>
     <dgm:txEffectClrLst/>
   </dgm:styleLbl>
-  <dgm:styleLbl name="node3">
+  <dgm:styleLbl name="fgImgPlace1">
     <dgm:fillClrLst>
-      <a:schemeClr val="accent3"/>
-    </dgm:fillClrLst>
-    <dgm:linClrLst meth="repeat">
-      <a:schemeClr val="lt1"/>
-    </dgm:linClrLst>
-    <dgm:effectClrLst/>
-    <dgm:txLinClrLst/>
-    <dgm:txFillClrLst/>
-    <dgm:txEffectClrLst/>
-  </dgm:styleLbl>
-  <dgm:styleLbl name="node4">
-    <dgm:fillClrLst>
-      <a:schemeClr val="accent4"/>
-    </dgm:fillClrLst>
-    <dgm:linClrLst meth="repeat">
-      <a:schemeClr val="lt1"/>
-    </dgm:linClrLst>
-    <dgm:effectClrLst/>
-    <dgm:txLinClrLst/>
-    <dgm:txFillClrLst/>
-    <dgm:txEffectClrLst/>
-  </dgm:styleLbl>
-  <dgm:styleLbl name="fgImgPlace1">
-    <dgm:fillClrLst meth="repeat">
-      <a:schemeClr val="accent2">
-        <a:tint val="50000"/>
-      </a:schemeClr>
-      <a:schemeClr val="accent3">
-        <a:tint val="50000"/>
-      </a:schemeClr>
-      <a:schemeClr val="accent4">
-        <a:tint val="50000"/>
-      </a:schemeClr>
       <a:schemeClr val="accent5">
         <a:tint val="50000"/>
       </a:schemeClr>
@@ -2746,10 +2716,10 @@
   </dgm:styleLbl>
   <dgm:styleLbl name="alignImgPlace1">
     <dgm:fillClrLst>
-      <a:schemeClr val="accent1">
+      <a:schemeClr val="accent5">
         <a:tint val="50000"/>
       </a:schemeClr>
-      <a:schemeClr val="accent2">
+      <a:schemeClr val="accent6">
         <a:tint val="20000"/>
       </a:schemeClr>
     </dgm:fillClrLst>
@@ -2765,10 +2735,10 @@
   </dgm:styleLbl>
   <dgm:styleLbl name="bgImgPlace1">
     <dgm:fillClrLst>
-      <a:schemeClr val="accent1">
+      <a:schemeClr val="accent5">
         <a:tint val="50000"/>
       </a:schemeClr>
-      <a:schemeClr val="accent2">
+      <a:schemeClr val="accent6">
         <a:tint val="20000"/>
       </a:schemeClr>
     </dgm:fillClrLst>
@@ -2783,14 +2753,11 @@
     <dgm:txEffectClrLst/>
   </dgm:styleLbl>
   <dgm:styleLbl name="sibTrans2D1">
-    <dgm:fillClrLst meth="repeat">
-      <a:schemeClr val="accent2"/>
-      <a:schemeClr val="accent3"/>
-      <a:schemeClr val="accent4"/>
+    <dgm:fillClrLst>
       <a:schemeClr val="accent5"/>
       <a:schemeClr val="accent6"/>
     </dgm:fillClrLst>
-    <dgm:linClrLst meth="cycle">
+    <dgm:linClrLst meth="repeat">
       <a:schemeClr val="lt1"/>
     </dgm:linClrLst>
     <dgm:effectClrLst/>
@@ -2799,14 +2766,11 @@
     <dgm:txEffectClrLst/>
   </dgm:styleLbl>
   <dgm:styleLbl name="fgSibTrans2D1">
-    <dgm:fillClrLst meth="repeat">
-      <a:schemeClr val="accent2"/>
-      <a:schemeClr val="accent3"/>
-      <a:schemeClr val="accent4"/>
+    <dgm:fillClrLst>
       <a:schemeClr val="accent5"/>
       <a:schemeClr val="accent6"/>
     </dgm:fillClrLst>
-    <dgm:linClrLst meth="cycle">
+    <dgm:linClrLst meth="repeat">
       <a:schemeClr val="lt1"/>
     </dgm:linClrLst>
     <dgm:effectClrLst/>
@@ -2817,14 +2781,11 @@
     <dgm:txEffectClrLst/>
   </dgm:styleLbl>
   <dgm:styleLbl name="bgSibTrans2D1">
-    <dgm:fillClrLst meth="repeat">
-      <a:schemeClr val="accent2"/>
-      <a:schemeClr val="accent3"/>
-      <a:schemeClr val="accent4"/>
+    <dgm:fillClrLst>
       <a:schemeClr val="accent5"/>
       <a:schemeClr val="accent6"/>
     </dgm:fillClrLst>
-    <dgm:linClrLst meth="cycle">
+    <dgm:linClrLst meth="repeat">
       <a:schemeClr val="lt1"/>
     </dgm:linClrLst>
     <dgm:effectClrLst/>
@@ -2835,17 +2796,8 @@
     <dgm:txEffectClrLst/>
   </dgm:styleLbl>
   <dgm:styleLbl name="sibTrans1D1">
-    <dgm:fillClrLst meth="repeat">
-      <a:schemeClr val="accent2"/>
-      <a:schemeClr val="accent3"/>
-      <a:schemeClr val="accent4"/>
-      <a:schemeClr val="accent5"/>
-      <a:schemeClr val="accent6"/>
-    </dgm:fillClrLst>
-    <dgm:linClrLst meth="repeat">
-      <a:schemeClr val="accent2"/>
-      <a:schemeClr val="accent3"/>
-      <a:schemeClr val="accent4"/>
+    <dgm:fillClrLst/>
+    <dgm:linClrLst>
       <a:schemeClr val="accent5"/>
       <a:schemeClr val="accent6"/>
     </dgm:linClrLst>
@@ -2858,10 +2810,10 @@
   </dgm:styleLbl>
   <dgm:styleLbl name="callout">
     <dgm:fillClrLst meth="repeat">
-      <a:schemeClr val="accent2"/>
+      <a:schemeClr val="accent5"/>
     </dgm:fillClrLst>
     <dgm:linClrLst meth="repeat">
-      <a:schemeClr val="accent2">
+      <a:schemeClr val="accent5">
         <a:tint val="50000"/>
       </a:schemeClr>
     </dgm:linClrLst>
@@ -2874,6 +2826,34 @@
   </dgm:styleLbl>
   <dgm:styleLbl name="asst0">
     <dgm:fillClrLst meth="repeat">
+      <a:schemeClr val="accent5"/>
+    </dgm:fillClrLst>
+    <dgm:linClrLst meth="repeat">
+      <a:schemeClr val="lt1">
+        <a:shade val="80000"/>
+      </a:schemeClr>
+    </dgm:linClrLst>
+    <dgm:effectClrLst/>
+    <dgm:txLinClrLst/>
+    <dgm:txFillClrLst/>
+    <dgm:txEffectClrLst/>
+  </dgm:styleLbl>
+  <dgm:styleLbl name="asst1">
+    <dgm:fillClrLst meth="repeat">
+      <a:schemeClr val="accent6"/>
+    </dgm:fillClrLst>
+    <dgm:linClrLst meth="repeat">
+      <a:schemeClr val="lt1">
+        <a:shade val="80000"/>
+      </a:schemeClr>
+    </dgm:linClrLst>
+    <dgm:effectClrLst/>
+    <dgm:txLinClrLst/>
+    <dgm:txFillClrLst/>
+    <dgm:txEffectClrLst/>
+  </dgm:styleLbl>
+  <dgm:styleLbl name="asst2">
+    <dgm:fillClrLst>
       <a:schemeClr val="accent1"/>
     </dgm:fillClrLst>
     <dgm:linClrLst meth="repeat">
@@ -2884,8 +2864,8 @@
     <dgm:txFillClrLst/>
     <dgm:txEffectClrLst/>
   </dgm:styleLbl>
-  <dgm:styleLbl name="asst1">
-    <dgm:fillClrLst meth="repeat">
+  <dgm:styleLbl name="asst3">
+    <dgm:fillClrLst>
       <a:schemeClr val="accent2"/>
     </dgm:fillClrLst>
     <dgm:linClrLst meth="repeat">
@@ -2896,7 +2876,7 @@
     <dgm:txFillClrLst/>
     <dgm:txEffectClrLst/>
   </dgm:styleLbl>
-  <dgm:styleLbl name="asst2">
+  <dgm:styleLbl name="asst4">
     <dgm:fillClrLst>
       <a:schemeClr val="accent3"/>
     </dgm:fillClrLst>
@@ -2908,69 +2888,7 @@
     <dgm:txFillClrLst/>
     <dgm:txEffectClrLst/>
   </dgm:styleLbl>
-  <dgm:styleLbl name="asst3">
-    <dgm:fillClrLst>
-      <a:schemeClr val="accent4"/>
-    </dgm:fillClrLst>
-    <dgm:linClrLst meth="repeat">
-      <a:schemeClr val="lt1"/>
-    </dgm:linClrLst>
-    <dgm:effectClrLst/>
-    <dgm:txLinClrLst/>
-    <dgm:txFillClrLst/>
-    <dgm:txEffectClrLst/>
-  </dgm:styleLbl>
-  <dgm:styleLbl name="asst4">
-    <dgm:fillClrLst>
-      <a:schemeClr val="accent5"/>
-    </dgm:fillClrLst>
-    <dgm:linClrLst meth="repeat">
-      <a:schemeClr val="lt1"/>
-    </dgm:linClrLst>
-    <dgm:effectClrLst/>
-    <dgm:txLinClrLst/>
-    <dgm:txFillClrLst/>
-    <dgm:txEffectClrLst/>
-  </dgm:styleLbl>
   <dgm:styleLbl name="parChTrans2D1">
-    <dgm:fillClrLst meth="repeat">
-      <a:schemeClr val="accent2"/>
-    </dgm:fillClrLst>
-    <dgm:linClrLst meth="repeat">
-      <a:schemeClr val="lt1"/>
-    </dgm:linClrLst>
-    <dgm:effectClrLst/>
-    <dgm:txLinClrLst/>
-    <dgm:txFillClrLst meth="repeat">
-      <a:schemeClr val="lt1"/>
-    </dgm:txFillClrLst>
-    <dgm:txEffectClrLst/>
-  </dgm:styleLbl>
-  <dgm:styleLbl name="parChTrans2D2">
-    <dgm:fillClrLst meth="repeat">
-      <a:schemeClr val="accent3"/>
-    </dgm:fillClrLst>
-    <dgm:linClrLst meth="repeat">
-      <a:schemeClr val="lt1"/>
-    </dgm:linClrLst>
-    <dgm:effectClrLst/>
-    <dgm:txLinClrLst/>
-    <dgm:txFillClrLst/>
-    <dgm:txEffectClrLst/>
-  </dgm:styleLbl>
-  <dgm:styleLbl name="parChTrans2D3">
-    <dgm:fillClrLst meth="repeat">
-      <a:schemeClr val="accent4"/>
-    </dgm:fillClrLst>
-    <dgm:linClrLst meth="repeat">
-      <a:schemeClr val="lt1"/>
-    </dgm:linClrLst>
-    <dgm:effectClrLst/>
-    <dgm:txLinClrLst/>
-    <dgm:txFillClrLst/>
-    <dgm:txEffectClrLst/>
-  </dgm:styleLbl>
-  <dgm:styleLbl name="parChTrans2D4">
     <dgm:fillClrLst meth="repeat">
       <a:schemeClr val="accent5"/>
     </dgm:fillClrLst>
@@ -2984,9 +2902,79 @@
     </dgm:txFillClrLst>
     <dgm:txEffectClrLst/>
   </dgm:styleLbl>
+  <dgm:styleLbl name="parChTrans2D2">
+    <dgm:fillClrLst meth="repeat">
+      <a:schemeClr val="accent6"/>
+    </dgm:fillClrLst>
+    <dgm:linClrLst meth="repeat">
+      <a:schemeClr val="lt1"/>
+    </dgm:linClrLst>
+    <dgm:effectClrLst/>
+    <dgm:txLinClrLst/>
+    <dgm:txFillClrLst/>
+    <dgm:txEffectClrLst/>
+  </dgm:styleLbl>
+  <dgm:styleLbl name="parChTrans2D3">
+    <dgm:fillClrLst meth="repeat">
+      <a:schemeClr val="accent6"/>
+    </dgm:fillClrLst>
+    <dgm:linClrLst meth="repeat">
+      <a:schemeClr val="lt1"/>
+    </dgm:linClrLst>
+    <dgm:effectClrLst/>
+    <dgm:txLinClrLst/>
+    <dgm:txFillClrLst/>
+    <dgm:txEffectClrLst/>
+  </dgm:styleLbl>
+  <dgm:styleLbl name="parChTrans2D4">
+    <dgm:fillClrLst meth="repeat">
+      <a:schemeClr val="accent1"/>
+    </dgm:fillClrLst>
+    <dgm:linClrLst meth="repeat">
+      <a:schemeClr val="lt1"/>
+    </dgm:linClrLst>
+    <dgm:effectClrLst/>
+    <dgm:txLinClrLst/>
+    <dgm:txFillClrLst meth="repeat">
+      <a:schemeClr val="lt1"/>
+    </dgm:txFillClrLst>
+    <dgm:txEffectClrLst/>
+  </dgm:styleLbl>
   <dgm:styleLbl name="parChTrans1D1">
     <dgm:fillClrLst meth="repeat">
-      <a:schemeClr val="accent2"/>
+      <a:schemeClr val="accent5"/>
+    </dgm:fillClrLst>
+    <dgm:linClrLst meth="repeat">
+      <a:schemeClr val="accent5"/>
+    </dgm:linClrLst>
+    <dgm:effectClrLst/>
+    <dgm:txLinClrLst/>
+    <dgm:txFillClrLst meth="repeat">
+      <a:schemeClr val="tx1"/>
+    </dgm:txFillClrLst>
+    <dgm:txEffectClrLst/>
+  </dgm:styleLbl>
+  <dgm:styleLbl name="parChTrans1D2">
+    <dgm:fillClrLst meth="repeat">
+      <a:schemeClr val="accent6">
+        <a:tint val="90000"/>
+      </a:schemeClr>
+    </dgm:fillClrLst>
+    <dgm:linClrLst meth="repeat">
+      <a:schemeClr val="accent6"/>
+    </dgm:linClrLst>
+    <dgm:effectClrLst/>
+    <dgm:txLinClrLst/>
+    <dgm:txFillClrLst meth="repeat">
+      <a:schemeClr val="tx1"/>
+    </dgm:txFillClrLst>
+    <dgm:txEffectClrLst/>
+  </dgm:styleLbl>
+  <dgm:styleLbl name="parChTrans1D3">
+    <dgm:fillClrLst meth="repeat">
+      <a:schemeClr val="accent6">
+        <a:tint val="70000"/>
+      </a:schemeClr>
     </dgm:fillClrLst>
     <dgm:linClrLst meth="repeat">
       <a:schemeClr val="accent1"/>
@@ -2998,10 +2986,10 @@
     </dgm:txFillClrLst>
     <dgm:txEffectClrLst/>
   </dgm:styleLbl>
-  <dgm:styleLbl name="parChTrans1D2">
+  <dgm:styleLbl name="parChTrans1D4">
     <dgm:fillClrLst meth="repeat">
-      <a:schemeClr val="accent3">
-        <a:tint val="90000"/>
+      <a:schemeClr val="accent6">
+        <a:tint val="50000"/>
       </a:schemeClr>
     </dgm:fillClrLst>
     <dgm:linClrLst meth="repeat">
@@ -3014,48 +3002,13 @@
     </dgm:txFillClrLst>
     <dgm:txEffectClrLst/>
   </dgm:styleLbl>
-  <dgm:styleLbl name="parChTrans1D3">
-    <dgm:fillClrLst meth="repeat">
-      <a:schemeClr val="accent4">
-        <a:tint val="70000"/>
-      </a:schemeClr>
-    </dgm:fillClrLst>
-    <dgm:linClrLst meth="repeat">
-      <a:schemeClr val="accent3"/>
-    </dgm:linClrLst>
-    <dgm:effectClrLst/>
-    <dgm:txLinClrLst/>
-    <dgm:txFillClrLst meth="repeat">
-      <a:schemeClr val="tx1"/>
-    </dgm:txFillClrLst>
-    <dgm:txEffectClrLst/>
-  </dgm:styleLbl>
-  <dgm:styleLbl name="parChTrans1D4">
-    <dgm:fillClrLst meth="repeat">
-      <a:schemeClr val="accent5">
-        <a:tint val="50000"/>
-      </a:schemeClr>
-    </dgm:fillClrLst>
-    <dgm:linClrLst meth="repeat">
-      <a:schemeClr val="accent4"/>
-    </dgm:linClrLst>
-    <dgm:effectClrLst/>
-    <dgm:txLinClrLst/>
-    <dgm:txFillClrLst meth="repeat">
-      <a:schemeClr val="tx1"/>
-    </dgm:txFillClrLst>
-    <dgm:txEffectClrLst/>
-  </dgm:styleLbl>
   <dgm:styleLbl name="fgAcc1">
     <dgm:fillClrLst meth="repeat">
       <a:schemeClr val="lt1">
         <a:alpha val="90000"/>
       </a:schemeClr>
     </dgm:fillClrLst>
-    <dgm:linClrLst meth="repeat">
-      <a:schemeClr val="accent2"/>
-      <a:schemeClr val="accent3"/>
-      <a:schemeClr val="accent4"/>
+    <dgm:linClrLst>
       <a:schemeClr val="accent5"/>
       <a:schemeClr val="accent6"/>
     </dgm:linClrLst>
@@ -3072,10 +3025,7 @@
         <a:alpha val="90000"/>
       </a:schemeClr>
     </dgm:fillClrLst>
-    <dgm:linClrLst meth="repeat">
-      <a:schemeClr val="accent2"/>
-      <a:schemeClr val="accent3"/>
-      <a:schemeClr val="accent4"/>
+    <dgm:linClrLst>
       <a:schemeClr val="accent5"/>
       <a:schemeClr val="accent6"/>
     </dgm:linClrLst>
@@ -3092,10 +3042,7 @@
         <a:alpha val="90000"/>
       </a:schemeClr>
     </dgm:fillClrLst>
-    <dgm:linClrLst meth="repeat">
-      <a:schemeClr val="accent2"/>
-      <a:schemeClr val="accent3"/>
-      <a:schemeClr val="accent4"/>
+    <dgm:linClrLst>
       <a:schemeClr val="accent5"/>
       <a:schemeClr val="accent6"/>
     </dgm:linClrLst>
@@ -3113,7 +3060,7 @@
       </a:schemeClr>
     </dgm:fillClrLst>
     <dgm:linClrLst meth="repeat">
-      <a:schemeClr val="accent1"/>
+      <a:schemeClr val="accent5"/>
     </dgm:linClrLst>
     <dgm:effectClrLst/>
     <dgm:txLinClrLst/>
@@ -3128,10 +3075,7 @@
         <a:alpha val="90000"/>
       </a:schemeClr>
     </dgm:fillClrLst>
-    <dgm:linClrLst meth="repeat">
-      <a:schemeClr val="accent2"/>
-      <a:schemeClr val="accent3"/>
-      <a:schemeClr val="accent4"/>
+    <dgm:linClrLst>
       <a:schemeClr val="accent5"/>
       <a:schemeClr val="accent6"/>
     </dgm:linClrLst>
@@ -3146,10 +3090,7 @@
     <dgm:fillClrLst meth="repeat">
       <a:schemeClr val="lt1"/>
     </dgm:fillClrLst>
-    <dgm:linClrLst meth="repeat">
-      <a:schemeClr val="accent2"/>
-      <a:schemeClr val="accent3"/>
-      <a:schemeClr val="accent4"/>
+    <dgm:linClrLst>
       <a:schemeClr val="accent5"/>
       <a:schemeClr val="accent6"/>
     </dgm:linClrLst>
@@ -3164,10 +3105,7 @@
     <dgm:fillClrLst meth="repeat">
       <a:schemeClr val="lt1"/>
     </dgm:fillClrLst>
-    <dgm:linClrLst meth="repeat">
-      <a:schemeClr val="accent2"/>
-      <a:schemeClr val="accent3"/>
-      <a:schemeClr val="accent4"/>
+    <dgm:linClrLst>
       <a:schemeClr val="accent5"/>
       <a:schemeClr val="accent6"/>
     </dgm:linClrLst>
@@ -3182,10 +3120,7 @@
     <dgm:fillClrLst meth="repeat">
       <a:schemeClr val="lt1"/>
     </dgm:fillClrLst>
-    <dgm:linClrLst meth="repeat">
-      <a:schemeClr val="accent2"/>
-      <a:schemeClr val="accent3"/>
-      <a:schemeClr val="accent4"/>
+    <dgm:linClrLst>
       <a:schemeClr val="accent5"/>
       <a:schemeClr val="accent6"/>
     </dgm:linClrLst>
@@ -3197,19 +3132,7 @@
     <dgm:txEffectClrLst/>
   </dgm:styleLbl>
   <dgm:styleLbl name="fgAccFollowNode1">
-    <dgm:fillClrLst meth="repeat">
-      <a:schemeClr val="accent2">
-        <a:tint val="40000"/>
-        <a:alpha val="90000"/>
-      </a:schemeClr>
-      <a:schemeClr val="accent3">
-        <a:tint val="40000"/>
-        <a:alpha val="90000"/>
-      </a:schemeClr>
-      <a:schemeClr val="accent4">
-        <a:tint val="40000"/>
-        <a:alpha val="90000"/>
-      </a:schemeClr>
+    <dgm:fillClrLst>
       <a:schemeClr val="accent5">
         <a:tint val="40000"/>
         <a:alpha val="90000"/>
@@ -3219,19 +3142,35 @@
         <a:alpha val="90000"/>
       </a:schemeClr>
     </dgm:fillClrLst>
-    <dgm:linClrLst meth="repeat">
-      <a:schemeClr val="accent2">
+    <dgm:linClrLst>
+      <a:schemeClr val="accent5">
         <a:tint val="40000"/>
         <a:alpha val="90000"/>
       </a:schemeClr>
-      <a:schemeClr val="accent3">
+      <a:schemeClr val="accent5">
         <a:tint val="40000"/>
         <a:alpha val="90000"/>
       </a:schemeClr>
-      <a:schemeClr val="accent4">
+    </dgm:linClrLst>
+    <dgm:effectClrLst/>
+    <dgm:txLinClrLst/>
+    <dgm:txFillClrLst meth="repeat">
+      <a:schemeClr val="dk1"/>
+    </dgm:txFillClrLst>
+    <dgm:txEffectClrLst/>
+  </dgm:styleLbl>
+  <dgm:styleLbl name="alignAccFollowNode1">
+    <dgm:fillClrLst>
+      <a:schemeClr val="accent5">
         <a:tint val="40000"/>
         <a:alpha val="90000"/>
       </a:schemeClr>
+      <a:schemeClr val="accent6">
+        <a:tint val="40000"/>
+        <a:alpha val="90000"/>
+      </a:schemeClr>
+    </dgm:fillClrLst>
+    <dgm:linClrLst>
       <a:schemeClr val="accent5">
         <a:tint val="40000"/>
         <a:alpha val="90000"/>
@@ -3248,20 +3187,8 @@
     </dgm:txFillClrLst>
     <dgm:txEffectClrLst/>
   </dgm:styleLbl>
-  <dgm:styleLbl name="alignAccFollowNode1">
-    <dgm:fillClrLst meth="repeat">
-      <a:schemeClr val="accent2">
-        <a:tint val="40000"/>
-        <a:alpha val="90000"/>
-      </a:schemeClr>
-      <a:schemeClr val="accent3">
-        <a:tint val="40000"/>
-        <a:alpha val="90000"/>
-      </a:schemeClr>
-      <a:schemeClr val="accent4">
-        <a:tint val="40000"/>
-        <a:alpha val="90000"/>
-      </a:schemeClr>
+  <dgm:styleLbl name="bgAccFollowNode1">
+    <dgm:fillClrLst>
       <a:schemeClr val="accent5">
         <a:tint val="40000"/>
         <a:alpha val="90000"/>
@@ -3271,19 +3198,7 @@
         <a:alpha val="90000"/>
       </a:schemeClr>
     </dgm:fillClrLst>
-    <dgm:linClrLst meth="repeat">
-      <a:schemeClr val="accent2">
-        <a:tint val="40000"/>
-        <a:alpha val="90000"/>
-      </a:schemeClr>
-      <a:schemeClr val="accent3">
-        <a:tint val="40000"/>
-        <a:alpha val="90000"/>
-      </a:schemeClr>
-      <a:schemeClr val="accent4">
-        <a:tint val="40000"/>
-        <a:alpha val="90000"/>
-      </a:schemeClr>
+    <dgm:linClrLst>
       <a:schemeClr val="accent5">
         <a:tint val="40000"/>
         <a:alpha val="90000"/>
@@ -3300,50 +3215,14 @@
     </dgm:txFillClrLst>
     <dgm:txEffectClrLst/>
   </dgm:styleLbl>
-  <dgm:styleLbl name="bgAccFollowNode1">
+  <dgm:styleLbl name="fgAcc0">
     <dgm:fillClrLst meth="repeat">
-      <a:schemeClr val="accent2">
-        <a:tint val="40000"/>
-        <a:alpha val="90000"/>
-      </a:schemeClr>
-      <a:schemeClr val="accent3">
-        <a:tint val="40000"/>
-        <a:alpha val="90000"/>
-      </a:schemeClr>
-      <a:schemeClr val="accent4">
-        <a:tint val="40000"/>
-        <a:alpha val="90000"/>
-      </a:schemeClr>
-      <a:schemeClr val="accent5">
-        <a:tint val="40000"/>
-        <a:alpha val="90000"/>
-      </a:schemeClr>
-      <a:schemeClr val="accent6">
-        <a:tint val="40000"/>
+      <a:schemeClr val="lt1">
         <a:alpha val="90000"/>
       </a:schemeClr>
     </dgm:fillClrLst>
-    <dgm:linClrLst meth="repeat">
-      <a:schemeClr val="accent2">
-        <a:tint val="40000"/>
-        <a:alpha val="90000"/>
-      </a:schemeClr>
-      <a:schemeClr val="accent3">
-        <a:tint val="40000"/>
-        <a:alpha val="90000"/>
-      </a:schemeClr>
-      <a:schemeClr val="accent4">
-        <a:tint val="40000"/>
-        <a:alpha val="90000"/>
-      </a:schemeClr>
-      <a:schemeClr val="accent5">
-        <a:tint val="40000"/>
-        <a:alpha val="90000"/>
-      </a:schemeClr>
-      <a:schemeClr val="accent6">
-        <a:tint val="40000"/>
-        <a:alpha val="90000"/>
-      </a:schemeClr>
+    <dgm:linClrLst>
+      <a:schemeClr val="accent4"/>
     </dgm:linClrLst>
     <dgm:effectClrLst/>
     <dgm:txLinClrLst/>
@@ -3352,7 +3231,23 @@
     </dgm:txFillClrLst>
     <dgm:txEffectClrLst/>
   </dgm:styleLbl>
-  <dgm:styleLbl name="fgAcc0">
+  <dgm:styleLbl name="fgAcc2">
+    <dgm:fillClrLst meth="repeat">
+      <a:schemeClr val="lt1">
+        <a:alpha val="90000"/>
+      </a:schemeClr>
+    </dgm:fillClrLst>
+    <dgm:linClrLst>
+      <a:schemeClr val="accent6"/>
+    </dgm:linClrLst>
+    <dgm:effectClrLst/>
+    <dgm:txLinClrLst/>
+    <dgm:txFillClrLst meth="repeat">
+      <a:schemeClr val="dk1"/>
+    </dgm:txFillClrLst>
+    <dgm:txEffectClrLst/>
+  </dgm:styleLbl>
+  <dgm:styleLbl name="fgAcc3">
     <dgm:fillClrLst meth="repeat">
       <a:schemeClr val="lt1">
         <a:alpha val="90000"/>
@@ -3368,7 +3263,7 @@
     </dgm:txFillClrLst>
     <dgm:txEffectClrLst/>
   </dgm:styleLbl>
-  <dgm:styleLbl name="fgAcc2">
+  <dgm:styleLbl name="fgAcc4">
     <dgm:fillClrLst meth="repeat">
       <a:schemeClr val="lt1">
         <a:alpha val="90000"/>
@@ -3376,38 +3271,6 @@
     </dgm:fillClrLst>
     <dgm:linClrLst>
       <a:schemeClr val="accent2"/>
-    </dgm:linClrLst>
-    <dgm:effectClrLst/>
-    <dgm:txLinClrLst/>
-    <dgm:txFillClrLst meth="repeat">
-      <a:schemeClr val="dk1"/>
-    </dgm:txFillClrLst>
-    <dgm:txEffectClrLst/>
-  </dgm:styleLbl>
-  <dgm:styleLbl name="fgAcc3">
-    <dgm:fillClrLst meth="repeat">
-      <a:schemeClr val="lt1">
-        <a:alpha val="90000"/>
-      </a:schemeClr>
-    </dgm:fillClrLst>
-    <dgm:linClrLst>
-      <a:schemeClr val="accent3"/>
-    </dgm:linClrLst>
-    <dgm:effectClrLst/>
-    <dgm:txLinClrLst/>
-    <dgm:txFillClrLst meth="repeat">
-      <a:schemeClr val="dk1"/>
-    </dgm:txFillClrLst>
-    <dgm:txEffectClrLst/>
-  </dgm:styleLbl>
-  <dgm:styleLbl name="fgAcc4">
-    <dgm:fillClrLst meth="repeat">
-      <a:schemeClr val="lt1">
-        <a:alpha val="90000"/>
-      </a:schemeClr>
-    </dgm:fillClrLst>
-    <dgm:linClrLst>
-      <a:schemeClr val="accent4"/>
     </dgm:linClrLst>
     <dgm:effectClrLst/>
     <dgm:txLinClrLst/>
@@ -3434,7 +3297,7 @@
   </dgm:styleLbl>
   <dgm:styleLbl name="dkBgShp">
     <dgm:fillClrLst meth="repeat">
-      <a:schemeClr val="accent2">
+      <a:schemeClr val="accent5">
         <a:shade val="90000"/>
       </a:schemeClr>
     </dgm:fillClrLst>
@@ -3450,13 +3313,13 @@
   </dgm:styleLbl>
   <dgm:styleLbl name="trBgShp">
     <dgm:fillClrLst meth="repeat">
-      <a:schemeClr val="accent1">
+      <a:schemeClr val="accent5">
         <a:tint val="50000"/>
         <a:alpha val="40000"/>
       </a:schemeClr>
     </dgm:fillClrLst>
     <dgm:linClrLst meth="repeat">
-      <a:schemeClr val="accent2"/>
+      <a:schemeClr val="accent5"/>
     </dgm:linClrLst>
     <dgm:effectClrLst/>
     <dgm:txLinClrLst/>
@@ -3467,7 +3330,7 @@
   </dgm:styleLbl>
   <dgm:styleLbl name="fgShp">
     <dgm:fillClrLst meth="repeat">
-      <a:schemeClr val="accent2">
+      <a:schemeClr val="accent5">
         <a:tint val="40000"/>
       </a:schemeClr>
     </dgm:fillClrLst>
@@ -5000,7 +4863,7 @@
 <dgm:dataModel xmlns:dgm="http://schemas.openxmlformats.org/drawingml/2006/diagram" xmlns:a="http://schemas.openxmlformats.org/drawingml/2006/main">
   <dgm:ptLst>
     <dgm:pt modelId="{C06855FC-A755-433C-BA02-B3738C6D649D}" type="doc">
-      <dgm:prSet loTypeId="urn:microsoft.com/office/officeart/2018/2/layout/IconLabelDescriptionList" loCatId="icon" qsTypeId="urn:microsoft.com/office/officeart/2005/8/quickstyle/simple1" qsCatId="simple" csTypeId="urn:microsoft.com/office/officeart/2018/5/colors/Iconchunking_neutralbg_colorful1" csCatId="colorful" phldr="1"/>
+      <dgm:prSet loTypeId="urn:microsoft.com/office/officeart/2018/2/layout/IconLabelDescriptionList" loCatId="icon" qsTypeId="urn:microsoft.com/office/officeart/2005/8/quickstyle/simple1" qsCatId="simple" csTypeId="urn:microsoft.com/office/officeart/2018/5/colors/Iconchunking_neutralbg_colorful5" csCatId="colorful" phldr="1"/>
       <dgm:spPr/>
       <dgm:t>
         <a:bodyPr/>
@@ -5187,6 +5050,7 @@
               </a:ext>
             </a:extLst>
           </a:blip>
+          <a:srcRect/>
           <a:stretch>
             <a:fillRect/>
           </a:stretch>
@@ -5197,7 +5061,7 @@
       </dgm:spPr>
       <dgm:extLst>
         <a:ext uri="{E40237B7-FDA0-4F09-8148-C483321AD2D9}">
-          <dgm14:cNvPr xmlns:dgm14="http://schemas.microsoft.com/office/drawing/2010/diagram" id="0" name="" descr="Presentation with Checklist"/>
+          <dgm14:cNvPr xmlns:dgm14="http://schemas.microsoft.com/office/drawing/2010/diagram" id="0" name="" descr="Group brainstorm"/>
         </a:ext>
       </dgm:extLst>
     </dgm:pt>
@@ -7273,7 +7137,7 @@
       </dsp:nvSpPr>
       <dsp:spPr>
         <a:xfrm>
-          <a:off x="111066" y="662492"/>
+          <a:off x="755062" y="76216"/>
           <a:ext cx="1512000" cy="1512000"/>
         </a:xfrm>
         <a:prstGeom prst="rect">
@@ -7290,6 +7154,7 @@
               </a:ext>
             </a:extLst>
           </a:blip>
+          <a:srcRect/>
           <a:stretch>
             <a:fillRect/>
           </a:stretch>
@@ -7322,7 +7187,7 @@
       </dsp:nvSpPr>
       <dsp:spPr>
         <a:xfrm>
-          <a:off x="111066" y="2293537"/>
+          <a:off x="755062" y="1722965"/>
           <a:ext cx="4320000" cy="648000"/>
         </a:xfrm>
         <a:prstGeom prst="rect">
@@ -7372,7 +7237,7 @@
         </a:p>
       </dsp:txBody>
       <dsp:txXfrm>
-        <a:off x="111066" y="2293537"/>
+        <a:off x="755062" y="1722965"/>
         <a:ext cx="4320000" cy="648000"/>
       </dsp:txXfrm>
     </dsp:sp>
@@ -7383,8 +7248,8 @@
       </dsp:nvSpPr>
       <dsp:spPr>
         <a:xfrm>
-          <a:off x="111066" y="2996907"/>
-          <a:ext cx="4320000" cy="434081"/>
+          <a:off x="755062" y="2433638"/>
+          <a:ext cx="4320000" cy="776269"/>
         </a:xfrm>
         <a:prstGeom prst="rect">
           <a:avLst/>
@@ -7432,8 +7297,8 @@
         </a:p>
       </dsp:txBody>
       <dsp:txXfrm>
-        <a:off x="111066" y="2996907"/>
-        <a:ext cx="4320000" cy="434081"/>
+        <a:off x="755062" y="2433638"/>
+        <a:ext cx="4320000" cy="776269"/>
       </dsp:txXfrm>
     </dsp:sp>
     <dsp:sp modelId="{207119CF-9C6E-4E2C-A681-87CE634D7A14}">
@@ -7443,7 +7308,7 @@
       </dsp:nvSpPr>
       <dsp:spPr>
         <a:xfrm>
-          <a:off x="5187066" y="662492"/>
+          <a:off x="5831062" y="76216"/>
           <a:ext cx="1512000" cy="1512000"/>
         </a:xfrm>
         <a:prstGeom prst="rect">
@@ -7492,7 +7357,7 @@
       </dsp:nvSpPr>
       <dsp:spPr>
         <a:xfrm>
-          <a:off x="5187066" y="2293537"/>
+          <a:off x="5831062" y="1722965"/>
           <a:ext cx="4320000" cy="648000"/>
         </a:xfrm>
         <a:prstGeom prst="rect">
@@ -7542,7 +7407,7 @@
         </a:p>
       </dsp:txBody>
       <dsp:txXfrm>
-        <a:off x="5187066" y="2293537"/>
+        <a:off x="5831062" y="1722965"/>
         <a:ext cx="4320000" cy="648000"/>
       </dsp:txXfrm>
     </dsp:sp>
@@ -7553,8 +7418,8 @@
       </dsp:nvSpPr>
       <dsp:spPr>
         <a:xfrm>
-          <a:off x="5187066" y="2996907"/>
-          <a:ext cx="4320000" cy="434081"/>
+          <a:off x="5831062" y="2433638"/>
+          <a:ext cx="4320000" cy="776269"/>
         </a:xfrm>
         <a:prstGeom prst="rect">
           <a:avLst/>
@@ -7602,8 +7467,8 @@
         </a:p>
       </dsp:txBody>
       <dsp:txXfrm>
-        <a:off x="5187066" y="2996907"/>
-        <a:ext cx="4320000" cy="434081"/>
+        <a:off x="5831062" y="2433638"/>
+        <a:ext cx="4320000" cy="776269"/>
       </dsp:txXfrm>
     </dsp:sp>
   </dsp:spTree>
@@ -20741,14 +20606,19 @@
             <p:ph type="title"/>
           </p:nvPr>
         </p:nvSpPr>
-        <p:spPr/>
+        <p:spPr>
+          <a:xfrm>
+            <a:off x="677334" y="609600"/>
+            <a:ext cx="8596668" cy="768121"/>
+          </a:xfrm>
+        </p:spPr>
         <p:txBody>
           <a:bodyPr/>
           <a:lstStyle/>
           <a:p>
             <a:r>
               <a:rPr lang="en-US" dirty="0"/>
-              <a:t>Additional Analysis</a:t>
+              <a:t>ANOVA by Region</a:t>
             </a:r>
           </a:p>
         </p:txBody>
@@ -20929,14 +20799,19 @@
             <p:ph type="title"/>
           </p:nvPr>
         </p:nvSpPr>
-        <p:spPr/>
+        <p:spPr>
+          <a:xfrm>
+            <a:off x="677334" y="609600"/>
+            <a:ext cx="8596668" cy="768121"/>
+          </a:xfrm>
+        </p:spPr>
         <p:txBody>
           <a:bodyPr/>
           <a:lstStyle/>
           <a:p>
             <a:r>
               <a:rPr lang="en-US" dirty="0"/>
-              <a:t>Additional Analysis Continued</a:t>
+              <a:t>ANOVA by Region Continued</a:t>
             </a:r>
           </a:p>
         </p:txBody>
@@ -23074,7 +22949,7 @@
         </p:nvSpPr>
         <p:spPr>
           <a:xfrm>
-            <a:off x="4978918" y="1109144"/>
+            <a:off x="4980114" y="1179151"/>
             <a:ext cx="6341016" cy="4777305"/>
           </a:xfrm>
           <a:prstGeom prst="rect">
@@ -23406,7 +23281,7 @@
       </p:grpSpPr>
       <p:grpSp>
         <p:nvGrpSpPr>
-          <p:cNvPr id="11" name="Group 10">
+          <p:cNvPr id="32" name="Group 31">
             <a:extLst>
               <a:ext uri="{FF2B5EF4-FFF2-40B4-BE49-F238E27FC236}">
                 <a16:creationId xmlns:a16="http://schemas.microsoft.com/office/drawing/2014/main" id="{D920209C-E85B-4D6F-A56F-724F5ADA811C}"/>
@@ -23437,7 +23312,7 @@
         </p:grpSpPr>
         <p:cxnSp>
           <p:nvCxnSpPr>
-            <p:cNvPr id="12" name="Straight Connector 11">
+            <p:cNvPr id="33" name="Straight Connector 32">
               <a:extLst>
                 <a:ext uri="{FF2B5EF4-FFF2-40B4-BE49-F238E27FC236}">
                   <a16:creationId xmlns:a16="http://schemas.microsoft.com/office/drawing/2014/main" id="{9125522E-1DFD-4F78-912B-B922A2D39DAE}"/>
@@ -23489,7 +23364,7 @@
         </p:cxnSp>
         <p:cxnSp>
           <p:nvCxnSpPr>
-            <p:cNvPr id="13" name="Straight Connector 12">
+            <p:cNvPr id="34" name="Straight Connector 33">
               <a:extLst>
                 <a:ext uri="{FF2B5EF4-FFF2-40B4-BE49-F238E27FC236}">
                   <a16:creationId xmlns:a16="http://schemas.microsoft.com/office/drawing/2014/main" id="{FDA72C10-FE9D-49B3-80CB-A7EE8BCB38F9}"/>
@@ -23541,7 +23416,7 @@
         </p:cxnSp>
         <p:sp>
           <p:nvSpPr>
-            <p:cNvPr id="14" name="Rectangle 23">
+            <p:cNvPr id="35" name="Rectangle 23">
               <a:extLst>
                 <a:ext uri="{FF2B5EF4-FFF2-40B4-BE49-F238E27FC236}">
                   <a16:creationId xmlns:a16="http://schemas.microsoft.com/office/drawing/2014/main" id="{6E7DF470-1055-45E4-AB9D-11E42EC53870}"/>
@@ -23619,7 +23494,7 @@
         </p:sp>
         <p:sp>
           <p:nvSpPr>
-            <p:cNvPr id="15" name="Rectangle 25">
+            <p:cNvPr id="36" name="Rectangle 25">
               <a:extLst>
                 <a:ext uri="{FF2B5EF4-FFF2-40B4-BE49-F238E27FC236}">
                   <a16:creationId xmlns:a16="http://schemas.microsoft.com/office/drawing/2014/main" id="{6AA35CFF-3837-4B7F-B875-718AC2E14EE7}"/>
@@ -23697,7 +23572,7 @@
         </p:sp>
         <p:sp>
           <p:nvSpPr>
-            <p:cNvPr id="16" name="Isosceles Triangle 15">
+            <p:cNvPr id="37" name="Isosceles Triangle 36">
               <a:extLst>
                 <a:ext uri="{FF2B5EF4-FFF2-40B4-BE49-F238E27FC236}">
                   <a16:creationId xmlns:a16="http://schemas.microsoft.com/office/drawing/2014/main" id="{62F41804-A347-47E3-8BD8-BD00CF2F6441}"/>
@@ -23753,7 +23628,7 @@
         </p:sp>
         <p:sp>
           <p:nvSpPr>
-            <p:cNvPr id="17" name="Rectangle 27">
+            <p:cNvPr id="38" name="Rectangle 27">
               <a:extLst>
                 <a:ext uri="{FF2B5EF4-FFF2-40B4-BE49-F238E27FC236}">
                   <a16:creationId xmlns:a16="http://schemas.microsoft.com/office/drawing/2014/main" id="{76894B81-EE9C-4546-BCFA-DD9ED2C0ADB6}"/>
@@ -23832,7 +23707,7 @@
         </p:sp>
         <p:sp>
           <p:nvSpPr>
-            <p:cNvPr id="18" name="Rectangle 28">
+            <p:cNvPr id="39" name="Rectangle 28">
               <a:extLst>
                 <a:ext uri="{FF2B5EF4-FFF2-40B4-BE49-F238E27FC236}">
                   <a16:creationId xmlns:a16="http://schemas.microsoft.com/office/drawing/2014/main" id="{3AF181D1-71AC-43D8-A6E1-D4C488D5DC56}"/>
@@ -23912,7 +23787,7 @@
         </p:sp>
         <p:sp>
           <p:nvSpPr>
-            <p:cNvPr id="19" name="Rectangle 29">
+            <p:cNvPr id="40" name="Rectangle 29">
               <a:extLst>
                 <a:ext uri="{FF2B5EF4-FFF2-40B4-BE49-F238E27FC236}">
                   <a16:creationId xmlns:a16="http://schemas.microsoft.com/office/drawing/2014/main" id="{4132D661-917C-4D2D-8E37-8590B55D91F8}"/>
@@ -23990,7 +23865,7 @@
         </p:sp>
         <p:sp>
           <p:nvSpPr>
-            <p:cNvPr id="20" name="Isosceles Triangle 19">
+            <p:cNvPr id="41" name="Isosceles Triangle 40">
               <a:extLst>
                 <a:ext uri="{FF2B5EF4-FFF2-40B4-BE49-F238E27FC236}">
                   <a16:creationId xmlns:a16="http://schemas.microsoft.com/office/drawing/2014/main" id="{7969643D-8B71-434D-A235-68CB241F9DCF}"/>
@@ -24046,7 +23921,7 @@
         </p:sp>
         <p:sp>
           <p:nvSpPr>
-            <p:cNvPr id="21" name="Isosceles Triangle 20">
+            <p:cNvPr id="42" name="Isosceles Triangle 41">
               <a:extLst>
                 <a:ext uri="{FF2B5EF4-FFF2-40B4-BE49-F238E27FC236}">
                   <a16:creationId xmlns:a16="http://schemas.microsoft.com/office/drawing/2014/main" id="{DF15C24A-4BCF-47C0-B2FA-76A0EF3384D1}"/>
@@ -24101,12 +23976,12 @@
           </p:style>
         </p:sp>
       </p:grpSp>
-      <p:sp useBgFill="1">
+      <p:sp>
         <p:nvSpPr>
-          <p:cNvPr id="23" name="Rectangle 22">
+          <p:cNvPr id="44" name="Rectangle 43">
             <a:extLst>
               <a:ext uri="{FF2B5EF4-FFF2-40B4-BE49-F238E27FC236}">
-                <a16:creationId xmlns:a16="http://schemas.microsoft.com/office/drawing/2014/main" id="{9F4444CE-BC8D-4D61-B303-4C05614E62AB}"/>
+                <a16:creationId xmlns:a16="http://schemas.microsoft.com/office/drawing/2014/main" id="{BD11ECC6-8551-4768-8DFD-CD41AF420A37}"/>
               </a:ext>
               <a:ext uri="{C183D7F6-B498-43B3-948B-1728B52AA6E4}">
                 <adec:decorative xmlns:adec="http://schemas.microsoft.com/office/drawing/2017/decorative" val="1"/>
@@ -24126,8 +24001,772 @@
         </p:nvSpPr>
         <p:spPr>
           <a:xfrm>
-            <a:off x="0" y="0"/>
-            <a:ext cx="12192000" cy="6858000"/>
+            <a:off x="0" y="4572001"/>
+            <a:ext cx="12192000" cy="2285999"/>
+          </a:xfrm>
+          <a:prstGeom prst="rect">
+            <a:avLst/>
+          </a:prstGeom>
+          <a:solidFill>
+            <a:schemeClr val="tx1">
+              <a:lumMod val="75000"/>
+              <a:lumOff val="25000"/>
+            </a:schemeClr>
+          </a:solidFill>
+          <a:ln>
+            <a:noFill/>
+          </a:ln>
+        </p:spPr>
+        <p:style>
+          <a:lnRef idx="2">
+            <a:schemeClr val="accent1">
+              <a:shade val="50000"/>
+            </a:schemeClr>
+          </a:lnRef>
+          <a:fillRef idx="1">
+            <a:schemeClr val="accent1"/>
+          </a:fillRef>
+          <a:effectRef idx="0">
+            <a:schemeClr val="accent1"/>
+          </a:effectRef>
+          <a:fontRef idx="minor">
+            <a:schemeClr val="lt1"/>
+          </a:fontRef>
+        </p:style>
+        <p:txBody>
+          <a:bodyPr rtlCol="0" anchor="ctr"/>
+          <a:lstStyle/>
+          <a:p>
+            <a:pPr algn="ctr"/>
+            <a:endParaRPr lang="en-US">
+              <a:solidFill>
+                <a:schemeClr val="bg1"/>
+              </a:solidFill>
+            </a:endParaRPr>
+          </a:p>
+        </p:txBody>
+      </p:sp>
+      <p:grpSp>
+        <p:nvGrpSpPr>
+          <p:cNvPr id="46" name="Group 45">
+            <a:extLst>
+              <a:ext uri="{FF2B5EF4-FFF2-40B4-BE49-F238E27FC236}">
+                <a16:creationId xmlns:a16="http://schemas.microsoft.com/office/drawing/2014/main" id="{93657592-CA60-4F45-B1A0-88AA77242087}"/>
+              </a:ext>
+              <a:ext uri="{C183D7F6-B498-43B3-948B-1728B52AA6E4}">
+                <adec:decorative xmlns:adec="http://schemas.microsoft.com/office/drawing/2017/decorative" val="1"/>
+              </a:ext>
+            </a:extLst>
+          </p:cNvPr>
+          <p:cNvGrpSpPr>
+            <a:grpSpLocks noGrp="1" noUngrp="1" noRot="1" noChangeAspect="1" noMove="1" noResize="1"/>
+          </p:cNvGrpSpPr>
+          <p:nvPr>
+            <p:extLst>
+              <p:ext uri="{386F3935-93C4-4BCD-93E2-E3B085C9AB24}">
+                <p16:designElem xmlns:p16="http://schemas.microsoft.com/office/powerpoint/2015/main" val="1"/>
+              </p:ext>
+            </p:extLst>
+          </p:nvPr>
+        </p:nvGrpSpPr>
+        <p:grpSpPr>
+          <a:xfrm>
+            <a:off x="7425267" y="-8467"/>
+            <a:ext cx="4766733" cy="6866467"/>
+            <a:chOff x="7425267" y="-8467"/>
+            <a:chExt cx="4766733" cy="6866467"/>
+          </a:xfrm>
+        </p:grpSpPr>
+        <p:cxnSp>
+          <p:nvCxnSpPr>
+            <p:cNvPr id="47" name="Straight Connector 46">
+              <a:extLst>
+                <a:ext uri="{FF2B5EF4-FFF2-40B4-BE49-F238E27FC236}">
+                  <a16:creationId xmlns:a16="http://schemas.microsoft.com/office/drawing/2014/main" id="{6F47E2B4-7DA9-4312-A1F0-C48388B236A6}"/>
+                </a:ext>
+                <a:ext uri="{C183D7F6-B498-43B3-948B-1728B52AA6E4}">
+                  <adec:decorative xmlns:adec="http://schemas.microsoft.com/office/drawing/2017/decorative" val="1"/>
+                </a:ext>
+              </a:extLst>
+            </p:cNvPr>
+            <p:cNvCxnSpPr>
+              <a:cxnSpLocks/>
+            </p:cNvCxnSpPr>
+            <p:nvPr>
+              <p:extLst>
+                <p:ext uri="{386F3935-93C4-4BCD-93E2-E3B085C9AB24}">
+                  <p16:designElem xmlns:p16="http://schemas.microsoft.com/office/powerpoint/2015/main" val="1"/>
+                </p:ext>
+              </p:extLst>
+            </p:nvPr>
+          </p:nvCxnSpPr>
+          <p:spPr>
+            <a:xfrm>
+              <a:off x="10196547" y="4572001"/>
+              <a:ext cx="393665" cy="2285999"/>
+            </a:xfrm>
+            <a:prstGeom prst="line">
+              <a:avLst/>
+            </a:prstGeom>
+            <a:ln w="9525">
+              <a:solidFill>
+                <a:srgbClr val="BFBFBF">
+                  <a:alpha val="70000"/>
+                </a:srgbClr>
+              </a:solidFill>
+            </a:ln>
+          </p:spPr>
+          <p:style>
+            <a:lnRef idx="2">
+              <a:schemeClr val="accent1"/>
+            </a:lnRef>
+            <a:fillRef idx="0">
+              <a:schemeClr val="accent1"/>
+            </a:fillRef>
+            <a:effectRef idx="1">
+              <a:schemeClr val="accent1"/>
+            </a:effectRef>
+            <a:fontRef idx="minor">
+              <a:schemeClr val="tx1"/>
+            </a:fontRef>
+          </p:style>
+        </p:cxnSp>
+        <p:cxnSp>
+          <p:nvCxnSpPr>
+            <p:cNvPr id="48" name="Straight Connector 47">
+              <a:extLst>
+                <a:ext uri="{FF2B5EF4-FFF2-40B4-BE49-F238E27FC236}">
+                  <a16:creationId xmlns:a16="http://schemas.microsoft.com/office/drawing/2014/main" id="{35B274F7-039F-4BFC-AA98-B51B1D6CB692}"/>
+                </a:ext>
+                <a:ext uri="{C183D7F6-B498-43B3-948B-1728B52AA6E4}">
+                  <adec:decorative xmlns:adec="http://schemas.microsoft.com/office/drawing/2017/decorative" val="1"/>
+                </a:ext>
+              </a:extLst>
+            </p:cNvPr>
+            <p:cNvCxnSpPr>
+              <a:cxnSpLocks/>
+            </p:cNvCxnSpPr>
+            <p:nvPr>
+              <p:extLst>
+                <p:ext uri="{386F3935-93C4-4BCD-93E2-E3B085C9AB24}">
+                  <p16:designElem xmlns:p16="http://schemas.microsoft.com/office/powerpoint/2015/main" val="1"/>
+                </p:ext>
+              </p:extLst>
+            </p:nvPr>
+          </p:nvCxnSpPr>
+          <p:spPr>
+            <a:xfrm flipH="1">
+              <a:off x="7425267" y="4572001"/>
+              <a:ext cx="3383073" cy="2285999"/>
+            </a:xfrm>
+            <a:prstGeom prst="line">
+              <a:avLst/>
+            </a:prstGeom>
+            <a:ln w="9525">
+              <a:solidFill>
+                <a:srgbClr val="BFBFBF">
+                  <a:alpha val="69804"/>
+                </a:srgbClr>
+              </a:solidFill>
+            </a:ln>
+          </p:spPr>
+          <p:style>
+            <a:lnRef idx="2">
+              <a:schemeClr val="accent1"/>
+            </a:lnRef>
+            <a:fillRef idx="0">
+              <a:schemeClr val="accent1"/>
+            </a:fillRef>
+            <a:effectRef idx="1">
+              <a:schemeClr val="accent1"/>
+            </a:effectRef>
+            <a:fontRef idx="minor">
+              <a:schemeClr val="tx1"/>
+            </a:fontRef>
+          </p:style>
+        </p:cxnSp>
+        <p:sp>
+          <p:nvSpPr>
+            <p:cNvPr id="49" name="Rectangle 23">
+              <a:extLst>
+                <a:ext uri="{FF2B5EF4-FFF2-40B4-BE49-F238E27FC236}">
+                  <a16:creationId xmlns:a16="http://schemas.microsoft.com/office/drawing/2014/main" id="{11A31103-C703-46C9-9D26-497A1ACD50AF}"/>
+                </a:ext>
+                <a:ext uri="{C183D7F6-B498-43B3-948B-1728B52AA6E4}">
+                  <adec:decorative xmlns:adec="http://schemas.microsoft.com/office/drawing/2017/decorative" val="1"/>
+                </a:ext>
+              </a:extLst>
+            </p:cNvPr>
+            <p:cNvSpPr/>
+            <p:nvPr>
+              <p:extLst>
+                <p:ext uri="{386F3935-93C4-4BCD-93E2-E3B085C9AB24}">
+                  <p16:designElem xmlns:p16="http://schemas.microsoft.com/office/powerpoint/2015/main" val="1"/>
+                </p:ext>
+              </p:extLst>
+            </p:nvPr>
+          </p:nvSpPr>
+          <p:spPr>
+            <a:xfrm>
+              <a:off x="9181476" y="-8467"/>
+              <a:ext cx="3007349" cy="6866467"/>
+            </a:xfrm>
+            <a:custGeom>
+              <a:avLst/>
+              <a:gdLst/>
+              <a:ahLst/>
+              <a:cxnLst/>
+              <a:rect l="l" t="t" r="r" b="b"/>
+              <a:pathLst>
+                <a:path w="3007349" h="6866467">
+                  <a:moveTo>
+                    <a:pt x="2045532" y="0"/>
+                  </a:moveTo>
+                  <a:lnTo>
+                    <a:pt x="3007349" y="0"/>
+                  </a:lnTo>
+                  <a:lnTo>
+                    <a:pt x="3007349" y="6866467"/>
+                  </a:lnTo>
+                  <a:lnTo>
+                    <a:pt x="0" y="6866467"/>
+                  </a:lnTo>
+                  <a:lnTo>
+                    <a:pt x="2045532" y="0"/>
+                  </a:lnTo>
+                  <a:close/>
+                </a:path>
+              </a:pathLst>
+            </a:custGeom>
+            <a:solidFill>
+              <a:schemeClr val="accent1">
+                <a:alpha val="30000"/>
+              </a:schemeClr>
+            </a:solidFill>
+            <a:ln>
+              <a:noFill/>
+            </a:ln>
+            <a:effectLst/>
+          </p:spPr>
+          <p:style>
+            <a:lnRef idx="1">
+              <a:schemeClr val="accent1"/>
+            </a:lnRef>
+            <a:fillRef idx="3">
+              <a:schemeClr val="accent1"/>
+            </a:fillRef>
+            <a:effectRef idx="2">
+              <a:schemeClr val="accent1"/>
+            </a:effectRef>
+            <a:fontRef idx="minor">
+              <a:schemeClr val="lt1"/>
+            </a:fontRef>
+          </p:style>
+        </p:sp>
+        <p:sp>
+          <p:nvSpPr>
+            <p:cNvPr id="50" name="Rectangle 25">
+              <a:extLst>
+                <a:ext uri="{FF2B5EF4-FFF2-40B4-BE49-F238E27FC236}">
+                  <a16:creationId xmlns:a16="http://schemas.microsoft.com/office/drawing/2014/main" id="{382F955F-FC22-44B8-BDCF-B77580323B70}"/>
+                </a:ext>
+                <a:ext uri="{C183D7F6-B498-43B3-948B-1728B52AA6E4}">
+                  <adec:decorative xmlns:adec="http://schemas.microsoft.com/office/drawing/2017/decorative" val="1"/>
+                </a:ext>
+              </a:extLst>
+            </p:cNvPr>
+            <p:cNvSpPr/>
+            <p:nvPr>
+              <p:extLst>
+                <p:ext uri="{386F3935-93C4-4BCD-93E2-E3B085C9AB24}">
+                  <p16:designElem xmlns:p16="http://schemas.microsoft.com/office/powerpoint/2015/main" val="1"/>
+                </p:ext>
+              </p:extLst>
+            </p:nvPr>
+          </p:nvSpPr>
+          <p:spPr>
+            <a:xfrm>
+              <a:off x="9603442" y="-8467"/>
+              <a:ext cx="2588558" cy="6866467"/>
+            </a:xfrm>
+            <a:custGeom>
+              <a:avLst/>
+              <a:gdLst/>
+              <a:ahLst/>
+              <a:cxnLst/>
+              <a:rect l="l" t="t" r="r" b="b"/>
+              <a:pathLst>
+                <a:path w="2573311" h="6866467">
+                  <a:moveTo>
+                    <a:pt x="0" y="0"/>
+                  </a:moveTo>
+                  <a:lnTo>
+                    <a:pt x="2573311" y="0"/>
+                  </a:lnTo>
+                  <a:lnTo>
+                    <a:pt x="2573311" y="6866467"/>
+                  </a:lnTo>
+                  <a:lnTo>
+                    <a:pt x="1202336" y="6866467"/>
+                  </a:lnTo>
+                  <a:lnTo>
+                    <a:pt x="0" y="0"/>
+                  </a:lnTo>
+                  <a:close/>
+                </a:path>
+              </a:pathLst>
+            </a:custGeom>
+            <a:solidFill>
+              <a:schemeClr val="accent1">
+                <a:alpha val="20000"/>
+              </a:schemeClr>
+            </a:solidFill>
+            <a:ln>
+              <a:noFill/>
+            </a:ln>
+            <a:effectLst/>
+          </p:spPr>
+          <p:style>
+            <a:lnRef idx="1">
+              <a:schemeClr val="accent1"/>
+            </a:lnRef>
+            <a:fillRef idx="3">
+              <a:schemeClr val="accent1"/>
+            </a:fillRef>
+            <a:effectRef idx="2">
+              <a:schemeClr val="accent1"/>
+            </a:effectRef>
+            <a:fontRef idx="minor">
+              <a:schemeClr val="lt1"/>
+            </a:fontRef>
+          </p:style>
+        </p:sp>
+        <p:sp>
+          <p:nvSpPr>
+            <p:cNvPr id="51" name="Isosceles Triangle 50">
+              <a:extLst>
+                <a:ext uri="{FF2B5EF4-FFF2-40B4-BE49-F238E27FC236}">
+                  <a16:creationId xmlns:a16="http://schemas.microsoft.com/office/drawing/2014/main" id="{1F567692-F087-479A-8931-BD2869C3E4E6}"/>
+                </a:ext>
+                <a:ext uri="{C183D7F6-B498-43B3-948B-1728B52AA6E4}">
+                  <adec:decorative xmlns:adec="http://schemas.microsoft.com/office/drawing/2017/decorative" val="1"/>
+                </a:ext>
+              </a:extLst>
+            </p:cNvPr>
+            <p:cNvSpPr/>
+            <p:nvPr>
+              <p:extLst>
+                <p:ext uri="{386F3935-93C4-4BCD-93E2-E3B085C9AB24}">
+                  <p16:designElem xmlns:p16="http://schemas.microsoft.com/office/powerpoint/2015/main" val="1"/>
+                </p:ext>
+              </p:extLst>
+            </p:nvPr>
+          </p:nvSpPr>
+          <p:spPr>
+            <a:xfrm>
+              <a:off x="8932333" y="3048000"/>
+              <a:ext cx="3259667" cy="3810000"/>
+            </a:xfrm>
+            <a:prstGeom prst="triangle">
+              <a:avLst>
+                <a:gd name="adj" fmla="val 100000"/>
+              </a:avLst>
+            </a:prstGeom>
+            <a:solidFill>
+              <a:schemeClr val="accent2">
+                <a:alpha val="72000"/>
+              </a:schemeClr>
+            </a:solidFill>
+            <a:ln>
+              <a:noFill/>
+            </a:ln>
+            <a:effectLst/>
+          </p:spPr>
+          <p:style>
+            <a:lnRef idx="1">
+              <a:schemeClr val="accent1"/>
+            </a:lnRef>
+            <a:fillRef idx="3">
+              <a:schemeClr val="accent1"/>
+            </a:fillRef>
+            <a:effectRef idx="2">
+              <a:schemeClr val="accent1"/>
+            </a:effectRef>
+            <a:fontRef idx="minor">
+              <a:schemeClr val="lt1"/>
+            </a:fontRef>
+          </p:style>
+        </p:sp>
+        <p:sp>
+          <p:nvSpPr>
+            <p:cNvPr id="52" name="Rectangle 27">
+              <a:extLst>
+                <a:ext uri="{FF2B5EF4-FFF2-40B4-BE49-F238E27FC236}">
+                  <a16:creationId xmlns:a16="http://schemas.microsoft.com/office/drawing/2014/main" id="{49B3E4CD-0738-4B9D-A14F-1E8694DDF895}"/>
+                </a:ext>
+                <a:ext uri="{C183D7F6-B498-43B3-948B-1728B52AA6E4}">
+                  <adec:decorative xmlns:adec="http://schemas.microsoft.com/office/drawing/2017/decorative" val="1"/>
+                </a:ext>
+              </a:extLst>
+            </p:cNvPr>
+            <p:cNvSpPr/>
+            <p:nvPr>
+              <p:extLst>
+                <p:ext uri="{386F3935-93C4-4BCD-93E2-E3B085C9AB24}">
+                  <p16:designElem xmlns:p16="http://schemas.microsoft.com/office/powerpoint/2015/main" val="1"/>
+                </p:ext>
+              </p:extLst>
+            </p:nvPr>
+          </p:nvSpPr>
+          <p:spPr>
+            <a:xfrm>
+              <a:off x="9334500" y="-8467"/>
+              <a:ext cx="2854326" cy="6866467"/>
+            </a:xfrm>
+            <a:custGeom>
+              <a:avLst/>
+              <a:gdLst/>
+              <a:ahLst/>
+              <a:cxnLst/>
+              <a:rect l="l" t="t" r="r" b="b"/>
+              <a:pathLst>
+                <a:path w="2858013" h="6866467">
+                  <a:moveTo>
+                    <a:pt x="0" y="0"/>
+                  </a:moveTo>
+                  <a:lnTo>
+                    <a:pt x="2858013" y="0"/>
+                  </a:lnTo>
+                  <a:lnTo>
+                    <a:pt x="2858013" y="6866467"/>
+                  </a:lnTo>
+                  <a:lnTo>
+                    <a:pt x="2473942" y="6866467"/>
+                  </a:lnTo>
+                  <a:lnTo>
+                    <a:pt x="0" y="0"/>
+                  </a:lnTo>
+                  <a:close/>
+                </a:path>
+              </a:pathLst>
+            </a:custGeom>
+            <a:solidFill>
+              <a:schemeClr val="accent2">
+                <a:lumMod val="75000"/>
+                <a:alpha val="70000"/>
+              </a:schemeClr>
+            </a:solidFill>
+            <a:ln>
+              <a:noFill/>
+            </a:ln>
+            <a:effectLst/>
+          </p:spPr>
+          <p:style>
+            <a:lnRef idx="1">
+              <a:schemeClr val="accent1"/>
+            </a:lnRef>
+            <a:fillRef idx="3">
+              <a:schemeClr val="accent1"/>
+            </a:fillRef>
+            <a:effectRef idx="2">
+              <a:schemeClr val="accent1"/>
+            </a:effectRef>
+            <a:fontRef idx="minor">
+              <a:schemeClr val="lt1"/>
+            </a:fontRef>
+          </p:style>
+        </p:sp>
+        <p:sp>
+          <p:nvSpPr>
+            <p:cNvPr id="53" name="Rectangle 28">
+              <a:extLst>
+                <a:ext uri="{FF2B5EF4-FFF2-40B4-BE49-F238E27FC236}">
+                  <a16:creationId xmlns:a16="http://schemas.microsoft.com/office/drawing/2014/main" id="{4753B851-AD90-4CCD-85D0-65AA6567DF31}"/>
+                </a:ext>
+                <a:ext uri="{C183D7F6-B498-43B3-948B-1728B52AA6E4}">
+                  <adec:decorative xmlns:adec="http://schemas.microsoft.com/office/drawing/2017/decorative" val="1"/>
+                </a:ext>
+              </a:extLst>
+            </p:cNvPr>
+            <p:cNvSpPr/>
+            <p:nvPr>
+              <p:extLst>
+                <p:ext uri="{386F3935-93C4-4BCD-93E2-E3B085C9AB24}">
+                  <p16:designElem xmlns:p16="http://schemas.microsoft.com/office/powerpoint/2015/main" val="1"/>
+                </p:ext>
+              </p:extLst>
+            </p:nvPr>
+          </p:nvSpPr>
+          <p:spPr>
+            <a:xfrm>
+              <a:off x="10898730" y="-8467"/>
+              <a:ext cx="1290094" cy="6866467"/>
+            </a:xfrm>
+            <a:custGeom>
+              <a:avLst/>
+              <a:gdLst/>
+              <a:ahLst/>
+              <a:cxnLst/>
+              <a:rect l="l" t="t" r="r" b="b"/>
+              <a:pathLst>
+                <a:path w="1290094" h="6858000">
+                  <a:moveTo>
+                    <a:pt x="1019735" y="0"/>
+                  </a:moveTo>
+                  <a:lnTo>
+                    <a:pt x="1290094" y="0"/>
+                  </a:lnTo>
+                  <a:lnTo>
+                    <a:pt x="1290094" y="6858000"/>
+                  </a:lnTo>
+                  <a:lnTo>
+                    <a:pt x="0" y="6858000"/>
+                  </a:lnTo>
+                  <a:lnTo>
+                    <a:pt x="1019735" y="0"/>
+                  </a:lnTo>
+                  <a:close/>
+                </a:path>
+              </a:pathLst>
+            </a:custGeom>
+            <a:solidFill>
+              <a:schemeClr val="accent1">
+                <a:lumMod val="60000"/>
+                <a:lumOff val="40000"/>
+                <a:alpha val="70000"/>
+              </a:schemeClr>
+            </a:solidFill>
+            <a:ln>
+              <a:noFill/>
+            </a:ln>
+            <a:effectLst/>
+          </p:spPr>
+          <p:style>
+            <a:lnRef idx="1">
+              <a:schemeClr val="accent1"/>
+            </a:lnRef>
+            <a:fillRef idx="3">
+              <a:schemeClr val="accent1"/>
+            </a:fillRef>
+            <a:effectRef idx="2">
+              <a:schemeClr val="accent1"/>
+            </a:effectRef>
+            <a:fontRef idx="minor">
+              <a:schemeClr val="lt1"/>
+            </a:fontRef>
+          </p:style>
+        </p:sp>
+        <p:sp>
+          <p:nvSpPr>
+            <p:cNvPr id="54" name="Rectangle 29">
+              <a:extLst>
+                <a:ext uri="{FF2B5EF4-FFF2-40B4-BE49-F238E27FC236}">
+                  <a16:creationId xmlns:a16="http://schemas.microsoft.com/office/drawing/2014/main" id="{EBF14868-A190-4E21-9522-8977C474C97E}"/>
+                </a:ext>
+                <a:ext uri="{C183D7F6-B498-43B3-948B-1728B52AA6E4}">
+                  <adec:decorative xmlns:adec="http://schemas.microsoft.com/office/drawing/2017/decorative" val="1"/>
+                </a:ext>
+              </a:extLst>
+            </p:cNvPr>
+            <p:cNvSpPr/>
+            <p:nvPr>
+              <p:extLst>
+                <p:ext uri="{386F3935-93C4-4BCD-93E2-E3B085C9AB24}">
+                  <p16:designElem xmlns:p16="http://schemas.microsoft.com/office/powerpoint/2015/main" val="1"/>
+                </p:ext>
+              </p:extLst>
+            </p:nvPr>
+          </p:nvSpPr>
+          <p:spPr>
+            <a:xfrm>
+              <a:off x="10938999" y="-8467"/>
+              <a:ext cx="1249825" cy="6866467"/>
+            </a:xfrm>
+            <a:custGeom>
+              <a:avLst/>
+              <a:gdLst/>
+              <a:ahLst/>
+              <a:cxnLst/>
+              <a:rect l="l" t="t" r="r" b="b"/>
+              <a:pathLst>
+                <a:path w="1249825" h="6858000">
+                  <a:moveTo>
+                    <a:pt x="0" y="0"/>
+                  </a:moveTo>
+                  <a:lnTo>
+                    <a:pt x="1249825" y="0"/>
+                  </a:lnTo>
+                  <a:lnTo>
+                    <a:pt x="1249825" y="6858000"/>
+                  </a:lnTo>
+                  <a:lnTo>
+                    <a:pt x="1109382" y="6858000"/>
+                  </a:lnTo>
+                  <a:lnTo>
+                    <a:pt x="0" y="0"/>
+                  </a:lnTo>
+                  <a:close/>
+                </a:path>
+              </a:pathLst>
+            </a:custGeom>
+            <a:solidFill>
+              <a:schemeClr val="accent1">
+                <a:alpha val="65000"/>
+              </a:schemeClr>
+            </a:solidFill>
+            <a:ln>
+              <a:noFill/>
+            </a:ln>
+            <a:effectLst/>
+          </p:spPr>
+          <p:style>
+            <a:lnRef idx="1">
+              <a:schemeClr val="accent1"/>
+            </a:lnRef>
+            <a:fillRef idx="3">
+              <a:schemeClr val="accent1"/>
+            </a:fillRef>
+            <a:effectRef idx="2">
+              <a:schemeClr val="accent1"/>
+            </a:effectRef>
+            <a:fontRef idx="minor">
+              <a:schemeClr val="lt1"/>
+            </a:fontRef>
+          </p:style>
+        </p:sp>
+        <p:sp>
+          <p:nvSpPr>
+            <p:cNvPr id="55" name="Isosceles Triangle 54">
+              <a:extLst>
+                <a:ext uri="{FF2B5EF4-FFF2-40B4-BE49-F238E27FC236}">
+                  <a16:creationId xmlns:a16="http://schemas.microsoft.com/office/drawing/2014/main" id="{BCBB4922-76EE-442B-A649-09873DCE79DA}"/>
+                </a:ext>
+                <a:ext uri="{C183D7F6-B498-43B3-948B-1728B52AA6E4}">
+                  <adec:decorative xmlns:adec="http://schemas.microsoft.com/office/drawing/2017/decorative" val="1"/>
+                </a:ext>
+              </a:extLst>
+            </p:cNvPr>
+            <p:cNvSpPr/>
+            <p:nvPr>
+              <p:extLst>
+                <p:ext uri="{386F3935-93C4-4BCD-93E2-E3B085C9AB24}">
+                  <p16:designElem xmlns:p16="http://schemas.microsoft.com/office/powerpoint/2015/main" val="1"/>
+                </p:ext>
+              </p:extLst>
+            </p:nvPr>
+          </p:nvSpPr>
+          <p:spPr>
+            <a:xfrm>
+              <a:off x="10371666" y="3589867"/>
+              <a:ext cx="1817159" cy="3268133"/>
+            </a:xfrm>
+            <a:prstGeom prst="triangle">
+              <a:avLst>
+                <a:gd name="adj" fmla="val 100000"/>
+              </a:avLst>
+            </a:prstGeom>
+            <a:solidFill>
+              <a:schemeClr val="accent1">
+                <a:alpha val="80000"/>
+              </a:schemeClr>
+            </a:solidFill>
+            <a:ln>
+              <a:noFill/>
+            </a:ln>
+            <a:effectLst/>
+          </p:spPr>
+          <p:style>
+            <a:lnRef idx="1">
+              <a:schemeClr val="accent1"/>
+            </a:lnRef>
+            <a:fillRef idx="3">
+              <a:schemeClr val="accent1"/>
+            </a:fillRef>
+            <a:effectRef idx="2">
+              <a:schemeClr val="accent1"/>
+            </a:effectRef>
+            <a:fontRef idx="minor">
+              <a:schemeClr val="lt1"/>
+            </a:fontRef>
+          </p:style>
+        </p:sp>
+      </p:grpSp>
+      <p:sp>
+        <p:nvSpPr>
+          <p:cNvPr id="3" name="TextBox 2">
+            <a:extLst>
+              <a:ext uri="{FF2B5EF4-FFF2-40B4-BE49-F238E27FC236}">
+                <a16:creationId xmlns:a16="http://schemas.microsoft.com/office/drawing/2014/main" id="{BC6A2C0C-2786-4DB4-BFA5-85EB7D871CFD}"/>
+              </a:ext>
+            </a:extLst>
+          </p:cNvPr>
+          <p:cNvSpPr txBox="1"/>
+          <p:nvPr/>
+        </p:nvSpPr>
+        <p:spPr>
+          <a:xfrm>
+            <a:off x="677334" y="4765972"/>
+            <a:ext cx="8596668" cy="1320800"/>
+          </a:xfrm>
+          <a:prstGeom prst="rect">
+            <a:avLst/>
+          </a:prstGeom>
+        </p:spPr>
+        <p:txBody>
+          <a:bodyPr vert="horz" lIns="91440" tIns="45720" rIns="91440" bIns="45720" rtlCol="0" anchor="ctr">
+            <a:normAutofit/>
+          </a:bodyPr>
+          <a:lstStyle/>
+          <a:p>
+            <a:pPr>
+              <a:spcBef>
+                <a:spcPct val="0"/>
+              </a:spcBef>
+              <a:spcAft>
+                <a:spcPts val="600"/>
+              </a:spcAft>
+            </a:pPr>
+            <a:r>
+              <a:rPr lang="en-US" sz="4400" kern="1200">
+                <a:solidFill>
+                  <a:schemeClr val="bg1"/>
+                </a:solidFill>
+                <a:latin typeface="+mj-lt"/>
+                <a:ea typeface="+mj-ea"/>
+                <a:cs typeface="+mj-cs"/>
+              </a:rPr>
+              <a:t>Action points for further analysis</a:t>
+            </a:r>
+          </a:p>
+        </p:txBody>
+      </p:sp>
+      <p:sp useBgFill="1">
+        <p:nvSpPr>
+          <p:cNvPr id="57" name="Rectangle 56">
+            <a:extLst>
+              <a:ext uri="{FF2B5EF4-FFF2-40B4-BE49-F238E27FC236}">
+                <a16:creationId xmlns:a16="http://schemas.microsoft.com/office/drawing/2014/main" id="{8E2EB503-A017-4457-A105-53638C97DEB8}"/>
+              </a:ext>
+              <a:ext uri="{C183D7F6-B498-43B3-948B-1728B52AA6E4}">
+                <adec:decorative xmlns:adec="http://schemas.microsoft.com/office/drawing/2017/decorative" val="1"/>
+              </a:ext>
+            </a:extLst>
+          </p:cNvPr>
+          <p:cNvSpPr>
+            <a:spLocks noGrp="1" noRot="1" noChangeAspect="1" noMove="1" noResize="1" noEditPoints="1" noAdjustHandles="1" noChangeArrowheads="1" noChangeShapeType="1" noTextEdit="1"/>
+          </p:cNvSpPr>
+          <p:nvPr>
+            <p:extLst>
+              <p:ext uri="{386F3935-93C4-4BCD-93E2-E3B085C9AB24}">
+                <p16:designElem xmlns:p16="http://schemas.microsoft.com/office/powerpoint/2015/main" val="1"/>
+              </p:ext>
+            </p:extLst>
+          </p:nvPr>
+        </p:nvSpPr>
+        <p:spPr>
+          <a:xfrm>
+            <a:off x="0" y="1"/>
+            <a:ext cx="12192000" cy="4572000"/>
           </a:xfrm>
           <a:prstGeom prst="rect">
             <a:avLst/>
@@ -24161,171 +24800,6 @@
           </a:p>
         </p:txBody>
       </p:sp>
-      <p:sp>
-        <p:nvSpPr>
-          <p:cNvPr id="3" name="TextBox 2">
-            <a:extLst>
-              <a:ext uri="{FF2B5EF4-FFF2-40B4-BE49-F238E27FC236}">
-                <a16:creationId xmlns:a16="http://schemas.microsoft.com/office/drawing/2014/main" id="{BC6A2C0C-2786-4DB4-BFA5-85EB7D871CFD}"/>
-              </a:ext>
-            </a:extLst>
-          </p:cNvPr>
-          <p:cNvSpPr txBox="1"/>
-          <p:nvPr/>
-        </p:nvSpPr>
-        <p:spPr>
-          <a:xfrm>
-            <a:off x="1286933" y="609600"/>
-            <a:ext cx="10197494" cy="1099457"/>
-          </a:xfrm>
-          <a:prstGeom prst="rect">
-            <a:avLst/>
-          </a:prstGeom>
-        </p:spPr>
-        <p:txBody>
-          <a:bodyPr vert="horz" lIns="91440" tIns="45720" rIns="91440" bIns="45720" rtlCol="0" anchor="t">
-            <a:normAutofit/>
-          </a:bodyPr>
-          <a:lstStyle/>
-          <a:p>
-            <a:pPr>
-              <a:spcBef>
-                <a:spcPct val="0"/>
-              </a:spcBef>
-              <a:spcAft>
-                <a:spcPts val="600"/>
-              </a:spcAft>
-            </a:pPr>
-            <a:r>
-              <a:rPr lang="en-US" sz="3600" kern="1200">
-                <a:solidFill>
-                  <a:schemeClr val="accent1"/>
-                </a:solidFill>
-                <a:latin typeface="+mj-lt"/>
-                <a:ea typeface="+mj-ea"/>
-                <a:cs typeface="+mj-cs"/>
-              </a:rPr>
-              <a:t>Action points for further analysis</a:t>
-            </a:r>
-          </a:p>
-        </p:txBody>
-      </p:sp>
-      <p:sp>
-        <p:nvSpPr>
-          <p:cNvPr id="25" name="Isosceles Triangle 24">
-            <a:extLst>
-              <a:ext uri="{FF2B5EF4-FFF2-40B4-BE49-F238E27FC236}">
-                <a16:creationId xmlns:a16="http://schemas.microsoft.com/office/drawing/2014/main" id="{73772B81-181F-48B7-8826-4D9686D15DF5}"/>
-              </a:ext>
-              <a:ext uri="{C183D7F6-B498-43B3-948B-1728B52AA6E4}">
-                <adec:decorative xmlns:adec="http://schemas.microsoft.com/office/drawing/2017/decorative" val="1"/>
-              </a:ext>
-            </a:extLst>
-          </p:cNvPr>
-          <p:cNvSpPr>
-            <a:spLocks noGrp="1" noRot="1" noChangeAspect="1" noMove="1" noResize="1" noEditPoints="1" noAdjustHandles="1" noChangeArrowheads="1" noChangeShapeType="1" noTextEdit="1"/>
-          </p:cNvSpPr>
-          <p:nvPr>
-            <p:extLst>
-              <p:ext uri="{386F3935-93C4-4BCD-93E2-E3B085C9AB24}">
-                <p16:designElem xmlns:p16="http://schemas.microsoft.com/office/powerpoint/2015/main" val="1"/>
-              </p:ext>
-            </p:extLst>
-          </p:nvPr>
-        </p:nvSpPr>
-        <p:spPr>
-          <a:xfrm rot="10800000">
-            <a:off x="0" y="0"/>
-            <a:ext cx="842596" cy="5666154"/>
-          </a:xfrm>
-          <a:prstGeom prst="triangle">
-            <a:avLst>
-              <a:gd name="adj" fmla="val 100000"/>
-            </a:avLst>
-          </a:prstGeom>
-          <a:solidFill>
-            <a:schemeClr val="accent1">
-              <a:alpha val="85000"/>
-            </a:schemeClr>
-          </a:solidFill>
-          <a:ln>
-            <a:noFill/>
-          </a:ln>
-          <a:effectLst/>
-        </p:spPr>
-        <p:style>
-          <a:lnRef idx="1">
-            <a:schemeClr val="accent1"/>
-          </a:lnRef>
-          <a:fillRef idx="3">
-            <a:schemeClr val="accent1"/>
-          </a:fillRef>
-          <a:effectRef idx="2">
-            <a:schemeClr val="accent1"/>
-          </a:effectRef>
-          <a:fontRef idx="minor">
-            <a:schemeClr val="lt1"/>
-          </a:fontRef>
-        </p:style>
-      </p:sp>
-      <p:sp>
-        <p:nvSpPr>
-          <p:cNvPr id="27" name="Isosceles Triangle 26">
-            <a:extLst>
-              <a:ext uri="{FF2B5EF4-FFF2-40B4-BE49-F238E27FC236}">
-                <a16:creationId xmlns:a16="http://schemas.microsoft.com/office/drawing/2014/main" id="{B2205F6E-03C6-4E92-877C-E2482F6599AA}"/>
-              </a:ext>
-              <a:ext uri="{C183D7F6-B498-43B3-948B-1728B52AA6E4}">
-                <adec:decorative xmlns:adec="http://schemas.microsoft.com/office/drawing/2017/decorative" val="1"/>
-              </a:ext>
-            </a:extLst>
-          </p:cNvPr>
-          <p:cNvSpPr>
-            <a:spLocks noGrp="1" noRot="1" noChangeAspect="1" noMove="1" noResize="1" noEditPoints="1" noAdjustHandles="1" noChangeArrowheads="1" noChangeShapeType="1" noTextEdit="1"/>
-          </p:cNvSpPr>
-          <p:nvPr>
-            <p:extLst>
-              <p:ext uri="{386F3935-93C4-4BCD-93E2-E3B085C9AB24}">
-                <p16:designElem xmlns:p16="http://schemas.microsoft.com/office/powerpoint/2015/main" val="1"/>
-              </p:ext>
-            </p:extLst>
-          </p:nvPr>
-        </p:nvSpPr>
-        <p:spPr>
-          <a:xfrm flipH="1">
-            <a:off x="11743267" y="4013200"/>
-            <a:ext cx="448733" cy="2844800"/>
-          </a:xfrm>
-          <a:prstGeom prst="triangle">
-            <a:avLst>
-              <a:gd name="adj" fmla="val 0"/>
-            </a:avLst>
-          </a:prstGeom>
-          <a:solidFill>
-            <a:schemeClr val="accent1">
-              <a:alpha val="85000"/>
-            </a:schemeClr>
-          </a:solidFill>
-          <a:ln>
-            <a:noFill/>
-          </a:ln>
-          <a:effectLst/>
-        </p:spPr>
-        <p:style>
-          <a:lnRef idx="1">
-            <a:schemeClr val="accent1"/>
-          </a:lnRef>
-          <a:fillRef idx="3">
-            <a:schemeClr val="accent1"/>
-          </a:fillRef>
-          <a:effectRef idx="2">
-            <a:schemeClr val="accent1"/>
-          </a:effectRef>
-          <a:fontRef idx="minor">
-            <a:schemeClr val="lt1"/>
-          </a:fontRef>
-        </p:style>
-      </p:sp>
       <p:graphicFrame>
         <p:nvGraphicFramePr>
           <p:cNvPr id="6" name="TextBox 3">
@@ -24339,14 +24813,14 @@
           <p:nvPr>
             <p:extLst>
               <p:ext uri="{D42A27DB-BD31-4B8C-83A1-F6EECF244321}">
-                <p14:modId xmlns:p14="http://schemas.microsoft.com/office/powerpoint/2010/main" val="4015145840"/>
+                <p14:modId xmlns:p14="http://schemas.microsoft.com/office/powerpoint/2010/main" val="2096417571"/>
               </p:ext>
             </p:extLst>
           </p:nvPr>
         </p:nvGraphicFramePr>
         <p:xfrm>
-          <a:off x="1286933" y="1948543"/>
-          <a:ext cx="9618133" cy="4093482"/>
+          <a:off x="642938" y="642938"/>
+          <a:ext cx="10906125" cy="3286125"/>
         </p:xfrm>
         <a:graphic>
           <a:graphicData uri="http://schemas.openxmlformats.org/drawingml/2006/diagram">

--- a/Budweiser C level presentation.pptx
+++ b/Budweiser C level presentation.pptx
@@ -5,7 +5,7 @@
     <p:sldMasterId id="2147483660" r:id="rId1"/>
   </p:sldMasterIdLst>
   <p:notesMasterIdLst>
-    <p:notesMasterId r:id="rId17"/>
+    <p:notesMasterId r:id="rId18"/>
   </p:notesMasterIdLst>
   <p:sldIdLst>
     <p:sldId id="256" r:id="rId2"/>
@@ -23,6 +23,7 @@
     <p:sldId id="273" r:id="rId14"/>
     <p:sldId id="274" r:id="rId15"/>
     <p:sldId id="258" r:id="rId16"/>
+    <p:sldId id="275" r:id="rId17"/>
   </p:sldIdLst>
   <p:sldSz cx="12192000" cy="6858000"/>
   <p:notesSz cx="6858000" cy="9144000"/>
@@ -13650,7 +13651,7 @@
           <a:p>
             <a:fld id="{E7796A02-3E82-49EA-BBE6-CE7B40E738B2}" type="datetimeFigureOut">
               <a:rPr lang="en-US" smtClean="0"/>
-              <a:t>10/23/2019</a:t>
+              <a:t>10/25/2019</a:t>
             </a:fld>
             <a:endParaRPr lang="en-US"/>
           </a:p>
@@ -13901,7 +13902,7 @@
           <a:p>
             <a:fld id="{E7796A02-3E82-49EA-BBE6-CE7B40E738B2}" type="datetimeFigureOut">
               <a:rPr lang="en-US" smtClean="0"/>
-              <a:t>10/23/2019</a:t>
+              <a:t>10/25/2019</a:t>
             </a:fld>
             <a:endParaRPr lang="en-US"/>
           </a:p>
@@ -14215,7 +14216,7 @@
           <a:p>
             <a:fld id="{E7796A02-3E82-49EA-BBE6-CE7B40E738B2}" type="datetimeFigureOut">
               <a:rPr lang="en-US" smtClean="0"/>
-              <a:t>10/23/2019</a:t>
+              <a:t>10/25/2019</a:t>
             </a:fld>
             <a:endParaRPr lang="en-US"/>
           </a:p>
@@ -14556,7 +14557,7 @@
           <a:p>
             <a:fld id="{E7796A02-3E82-49EA-BBE6-CE7B40E738B2}" type="datetimeFigureOut">
               <a:rPr lang="en-US" smtClean="0"/>
-              <a:t>10/23/2019</a:t>
+              <a:t>10/25/2019</a:t>
             </a:fld>
             <a:endParaRPr lang="en-US"/>
           </a:p>
@@ -14870,7 +14871,7 @@
           <a:p>
             <a:fld id="{E7796A02-3E82-49EA-BBE6-CE7B40E738B2}" type="datetimeFigureOut">
               <a:rPr lang="en-US" smtClean="0"/>
-              <a:t>10/23/2019</a:t>
+              <a:t>10/25/2019</a:t>
             </a:fld>
             <a:endParaRPr lang="en-US"/>
           </a:p>
@@ -15263,7 +15264,7 @@
           <a:p>
             <a:fld id="{E7796A02-3E82-49EA-BBE6-CE7B40E738B2}" type="datetimeFigureOut">
               <a:rPr lang="en-US" smtClean="0"/>
-              <a:t>10/23/2019</a:t>
+              <a:t>10/25/2019</a:t>
             </a:fld>
             <a:endParaRPr lang="en-US"/>
           </a:p>
@@ -15433,7 +15434,7 @@
           <a:p>
             <a:fld id="{E7796A02-3E82-49EA-BBE6-CE7B40E738B2}" type="datetimeFigureOut">
               <a:rPr lang="en-US" smtClean="0"/>
-              <a:t>10/23/2019</a:t>
+              <a:t>10/25/2019</a:t>
             </a:fld>
             <a:endParaRPr lang="en-US"/>
           </a:p>
@@ -15613,7 +15614,7 @@
           <a:p>
             <a:fld id="{E7796A02-3E82-49EA-BBE6-CE7B40E738B2}" type="datetimeFigureOut">
               <a:rPr lang="en-US" smtClean="0"/>
-              <a:t>10/23/2019</a:t>
+              <a:t>10/25/2019</a:t>
             </a:fld>
             <a:endParaRPr lang="en-US"/>
           </a:p>
@@ -15789,7 +15790,7 @@
           <a:p>
             <a:fld id="{E7796A02-3E82-49EA-BBE6-CE7B40E738B2}" type="datetimeFigureOut">
               <a:rPr lang="en-US" smtClean="0"/>
-              <a:t>10/23/2019</a:t>
+              <a:t>10/25/2019</a:t>
             </a:fld>
             <a:endParaRPr lang="en-US"/>
           </a:p>
@@ -16036,7 +16037,7 @@
           <a:p>
             <a:fld id="{E7796A02-3E82-49EA-BBE6-CE7B40E738B2}" type="datetimeFigureOut">
               <a:rPr lang="en-US" smtClean="0"/>
-              <a:t>10/23/2019</a:t>
+              <a:t>10/25/2019</a:t>
             </a:fld>
             <a:endParaRPr lang="en-US"/>
           </a:p>
@@ -16268,7 +16269,7 @@
           <a:p>
             <a:fld id="{E7796A02-3E82-49EA-BBE6-CE7B40E738B2}" type="datetimeFigureOut">
               <a:rPr lang="en-US" smtClean="0"/>
-              <a:t>10/23/2019</a:t>
+              <a:t>10/25/2019</a:t>
             </a:fld>
             <a:endParaRPr lang="en-US"/>
           </a:p>
@@ -16642,7 +16643,7 @@
           <a:p>
             <a:fld id="{E7796A02-3E82-49EA-BBE6-CE7B40E738B2}" type="datetimeFigureOut">
               <a:rPr lang="en-US" smtClean="0"/>
-              <a:t>10/23/2019</a:t>
+              <a:t>10/25/2019</a:t>
             </a:fld>
             <a:endParaRPr lang="en-US"/>
           </a:p>
@@ -16765,7 +16766,7 @@
           <a:p>
             <a:fld id="{E7796A02-3E82-49EA-BBE6-CE7B40E738B2}" type="datetimeFigureOut">
               <a:rPr lang="en-US" smtClean="0"/>
-              <a:t>10/23/2019</a:t>
+              <a:t>10/25/2019</a:t>
             </a:fld>
             <a:endParaRPr lang="en-US"/>
           </a:p>
@@ -16860,7 +16861,7 @@
           <a:p>
             <a:fld id="{E7796A02-3E82-49EA-BBE6-CE7B40E738B2}" type="datetimeFigureOut">
               <a:rPr lang="en-US" smtClean="0"/>
-              <a:t>10/23/2019</a:t>
+              <a:t>10/25/2019</a:t>
             </a:fld>
             <a:endParaRPr lang="en-US"/>
           </a:p>
@@ -17115,7 +17116,7 @@
           <a:p>
             <a:fld id="{E7796A02-3E82-49EA-BBE6-CE7B40E738B2}" type="datetimeFigureOut">
               <a:rPr lang="en-US" smtClean="0"/>
-              <a:t>10/23/2019</a:t>
+              <a:t>10/25/2019</a:t>
             </a:fld>
             <a:endParaRPr lang="en-US"/>
           </a:p>
@@ -17378,7 +17379,7 @@
           <a:p>
             <a:fld id="{E7796A02-3E82-49EA-BBE6-CE7B40E738B2}" type="datetimeFigureOut">
               <a:rPr lang="en-US" smtClean="0"/>
-              <a:t>10/23/2019</a:t>
+              <a:t>10/25/2019</a:t>
             </a:fld>
             <a:endParaRPr lang="en-US"/>
           </a:p>
@@ -18121,7 +18122,7 @@
           <a:p>
             <a:fld id="{E7796A02-3E82-49EA-BBE6-CE7B40E738B2}" type="datetimeFigureOut">
               <a:rPr lang="en-US" smtClean="0"/>
-              <a:t>10/23/2019</a:t>
+              <a:t>10/25/2019</a:t>
             </a:fld>
             <a:endParaRPr lang="en-US"/>
           </a:p>
@@ -20138,7 +20139,7 @@
                 <a:ea typeface="+mn-ea"/>
                 <a:cs typeface="+mn-cs"/>
               </a:rPr>
-              <a:t>	Average of Recall and Specificity. Above 	65% is considered good</a:t>
+              <a:t>	Average of Recall and Precision. Above 	65% is considered good</a:t>
             </a:r>
           </a:p>
           <a:p>
@@ -24832,6 +24833,99 @@
     <p:extLst>
       <p:ext uri="{BB962C8B-B14F-4D97-AF65-F5344CB8AC3E}">
         <p14:creationId xmlns:p14="http://schemas.microsoft.com/office/powerpoint/2010/main" val="1211631378"/>
+      </p:ext>
+    </p:extLst>
+  </p:cSld>
+  <p:clrMapOvr>
+    <a:masterClrMapping/>
+  </p:clrMapOvr>
+</p:sld>
+</file>
+
+<file path=ppt/slides/slide16.xml><?xml version="1.0" encoding="utf-8"?>
+<p:sld xmlns:a="http://schemas.openxmlformats.org/drawingml/2006/main" xmlns:r="http://schemas.openxmlformats.org/officeDocument/2006/relationships" xmlns:p="http://schemas.openxmlformats.org/presentationml/2006/main">
+  <p:cSld>
+    <p:spTree>
+      <p:nvGrpSpPr>
+        <p:cNvPr id="1" name=""/>
+        <p:cNvGrpSpPr/>
+        <p:nvPr/>
+      </p:nvGrpSpPr>
+      <p:grpSpPr>
+        <a:xfrm>
+          <a:off x="0" y="0"/>
+          <a:ext cx="0" cy="0"/>
+          <a:chOff x="0" y="0"/>
+          <a:chExt cx="0" cy="0"/>
+        </a:xfrm>
+      </p:grpSpPr>
+      <p:sp>
+        <p:nvSpPr>
+          <p:cNvPr id="2" name="TextBox 1">
+            <a:extLst>
+              <a:ext uri="{FF2B5EF4-FFF2-40B4-BE49-F238E27FC236}">
+                <a16:creationId xmlns:a16="http://schemas.microsoft.com/office/drawing/2014/main" id="{92102036-58F6-457E-983E-1A5796B4FA34}"/>
+              </a:ext>
+            </a:extLst>
+          </p:cNvPr>
+          <p:cNvSpPr txBox="1"/>
+          <p:nvPr/>
+        </p:nvSpPr>
+        <p:spPr>
+          <a:xfrm>
+            <a:off x="386499" y="593888"/>
+            <a:ext cx="6825006" cy="923330"/>
+          </a:xfrm>
+          <a:prstGeom prst="rect">
+            <a:avLst/>
+          </a:prstGeom>
+          <a:noFill/>
+        </p:spPr>
+        <p:txBody>
+          <a:bodyPr wrap="square" rtlCol="0">
+            <a:spAutoFit/>
+          </a:bodyPr>
+          <a:lstStyle/>
+          <a:p>
+            <a:r>
+              <a:rPr lang="en-US" dirty="0"/>
+              <a:t>Link to Adam </a:t>
+            </a:r>
+            <a:r>
+              <a:rPr lang="en-US" dirty="0" err="1"/>
+              <a:t>Ruthford’s</a:t>
+            </a:r>
+            <a:r>
+              <a:rPr lang="en-US" dirty="0"/>
+              <a:t> </a:t>
+            </a:r>
+            <a:r>
+              <a:rPr lang="en-US" dirty="0" err="1"/>
+              <a:t>Youtube</a:t>
+            </a:r>
+            <a:r>
+              <a:rPr lang="en-US" dirty="0"/>
+              <a:t> video:</a:t>
+            </a:r>
+          </a:p>
+          <a:p>
+            <a:r>
+              <a:rPr lang="en-US" dirty="0">
+                <a:hlinkClick r:id="rId2"/>
+              </a:rPr>
+              <a:t>https://youtu.be/xCZE_6JdLIo</a:t>
+            </a:r>
+            <a:endParaRPr lang="en-US" dirty="0"/>
+          </a:p>
+          <a:p>
+            <a:endParaRPr lang="en-US" dirty="0"/>
+          </a:p>
+        </p:txBody>
+      </p:sp>
+    </p:spTree>
+    <p:extLst>
+      <p:ext uri="{BB962C8B-B14F-4D97-AF65-F5344CB8AC3E}">
+        <p14:creationId xmlns:p14="http://schemas.microsoft.com/office/powerpoint/2010/main" val="430697829"/>
       </p:ext>
     </p:extLst>
   </p:cSld>
